--- a/ヴィリレオン.pptx
+++ b/ヴィリレオン.pptx
@@ -5,11 +5,15 @@
     <p:sldMasterId id="2147483668" r:id="rId1"/>
   </p:sldMasterIdLst>
   <p:sldIdLst>
-    <p:sldId id="256" r:id="rId2"/>
+    <p:sldId id="266" r:id="rId2"/>
     <p:sldId id="257" r:id="rId3"/>
-    <p:sldId id="258" r:id="rId4"/>
-    <p:sldId id="259" r:id="rId5"/>
-    <p:sldId id="260" r:id="rId6"/>
+    <p:sldId id="267" r:id="rId4"/>
+    <p:sldId id="260" r:id="rId5"/>
+    <p:sldId id="269" r:id="rId6"/>
+    <p:sldId id="264" r:id="rId7"/>
+    <p:sldId id="270" r:id="rId8"/>
+    <p:sldId id="263" r:id="rId9"/>
+    <p:sldId id="271" r:id="rId10"/>
   </p:sldIdLst>
   <p:sldSz cx="12192000" cy="6858000"/>
   <p:notesSz cx="6858000" cy="9144000"/>
@@ -108,7 +112,16 @@
       </a:defRPr>
     </a:lvl9pPr>
   </p:defaultTextStyle>
+  <p:extLst>
+    <p:ext uri="{EFAFB233-063F-42B5-8137-9DF3F51BA10A}">
+      <p15:sldGuideLst xmlns:p15="http://schemas.microsoft.com/office/powerpoint/2012/main"/>
+    </p:ext>
+  </p:extLst>
 </p:presentation>
+</file>
+
+<file path=ppt/revisionInfo.xml><?xml version="1.0" encoding="utf-8"?>
+<p1510:revInfo xmlns:a="http://schemas.openxmlformats.org/drawingml/2006/main" xmlns:r="http://schemas.openxmlformats.org/officeDocument/2006/relationships" xmlns:p1510="http://schemas.microsoft.com/office/powerpoint/2015/10/main"/>
 </file>
 
 <file path=ppt/slideLayouts/slideLayout1.xml><?xml version="1.0" encoding="utf-8"?>
@@ -153,10 +166,9 @@
           </a:lstStyle>
           <a:p>
             <a:r>
-              <a:rPr kumimoji="1" lang="ja-JP" altLang="en-US" smtClean="0"/>
+              <a:rPr kumimoji="1" lang="ja-JP" altLang="en-US"/>
               <a:t>マスター タイトルの書式設定</a:t>
             </a:r>
-            <a:endParaRPr kumimoji="1" lang="ja-JP" altLang="en-US"/>
           </a:p>
         </p:txBody>
       </p:sp>
@@ -218,10 +230,9 @@
           </a:lstStyle>
           <a:p>
             <a:r>
-              <a:rPr kumimoji="1" lang="ja-JP" altLang="en-US" smtClean="0"/>
+              <a:rPr kumimoji="1" lang="ja-JP" altLang="en-US"/>
               <a:t>マスター サブタイトルの書式設定</a:t>
             </a:r>
-            <a:endParaRPr kumimoji="1" lang="ja-JP" altLang="en-US"/>
           </a:p>
         </p:txBody>
       </p:sp>
@@ -338,10 +349,9 @@
           <a:lstStyle/>
           <a:p>
             <a:r>
-              <a:rPr kumimoji="1" lang="ja-JP" altLang="en-US" smtClean="0"/>
+              <a:rPr kumimoji="1" lang="ja-JP" altLang="en-US"/>
               <a:t>マスター タイトルの書式設定</a:t>
             </a:r>
-            <a:endParaRPr kumimoji="1" lang="ja-JP" altLang="en-US"/>
           </a:p>
         </p:txBody>
       </p:sp>
@@ -362,70 +372,69 @@
           <a:p>
             <a:pPr lvl="0"/>
             <a:r>
-              <a:rPr kumimoji="1" lang="ja-JP" altLang="en-US" smtClean="0"/>
+              <a:rPr kumimoji="1" lang="ja-JP" altLang="en-US"/>
               <a:t>マスター テキストの書式設定</a:t>
             </a:r>
           </a:p>
           <a:p>
             <a:pPr lvl="1"/>
             <a:r>
-              <a:rPr kumimoji="1" lang="ja-JP" altLang="en-US" smtClean="0"/>
+              <a:rPr kumimoji="1" lang="ja-JP" altLang="en-US"/>
               <a:t>第 </a:t>
             </a:r>
             <a:r>
-              <a:rPr kumimoji="1" lang="en-US" altLang="ja-JP" smtClean="0"/>
+              <a:rPr kumimoji="1" lang="en-US" altLang="ja-JP"/>
               <a:t>2 </a:t>
             </a:r>
             <a:r>
-              <a:rPr kumimoji="1" lang="ja-JP" altLang="en-US" smtClean="0"/>
+              <a:rPr kumimoji="1" lang="ja-JP" altLang="en-US"/>
               <a:t>レベル</a:t>
             </a:r>
           </a:p>
           <a:p>
             <a:pPr lvl="2"/>
             <a:r>
-              <a:rPr kumimoji="1" lang="ja-JP" altLang="en-US" smtClean="0"/>
+              <a:rPr kumimoji="1" lang="ja-JP" altLang="en-US"/>
               <a:t>第 </a:t>
             </a:r>
             <a:r>
-              <a:rPr kumimoji="1" lang="en-US" altLang="ja-JP" smtClean="0"/>
+              <a:rPr kumimoji="1" lang="en-US" altLang="ja-JP"/>
               <a:t>3 </a:t>
             </a:r>
             <a:r>
-              <a:rPr kumimoji="1" lang="ja-JP" altLang="en-US" smtClean="0"/>
+              <a:rPr kumimoji="1" lang="ja-JP" altLang="en-US"/>
               <a:t>レベル</a:t>
             </a:r>
           </a:p>
           <a:p>
             <a:pPr lvl="3"/>
             <a:r>
-              <a:rPr kumimoji="1" lang="ja-JP" altLang="en-US" smtClean="0"/>
+              <a:rPr kumimoji="1" lang="ja-JP" altLang="en-US"/>
               <a:t>第 </a:t>
             </a:r>
             <a:r>
-              <a:rPr kumimoji="1" lang="en-US" altLang="ja-JP" smtClean="0"/>
+              <a:rPr kumimoji="1" lang="en-US" altLang="ja-JP"/>
               <a:t>4 </a:t>
             </a:r>
             <a:r>
-              <a:rPr kumimoji="1" lang="ja-JP" altLang="en-US" smtClean="0"/>
+              <a:rPr kumimoji="1" lang="ja-JP" altLang="en-US"/>
               <a:t>レベル</a:t>
             </a:r>
           </a:p>
           <a:p>
             <a:pPr lvl="4"/>
             <a:r>
-              <a:rPr kumimoji="1" lang="ja-JP" altLang="en-US" smtClean="0"/>
+              <a:rPr kumimoji="1" lang="ja-JP" altLang="en-US"/>
               <a:t>第 </a:t>
             </a:r>
             <a:r>
-              <a:rPr kumimoji="1" lang="en-US" altLang="ja-JP" smtClean="0"/>
+              <a:rPr kumimoji="1" lang="en-US" altLang="ja-JP"/>
               <a:t>5 </a:t>
             </a:r>
             <a:r>
-              <a:rPr kumimoji="1" lang="ja-JP" altLang="en-US" smtClean="0"/>
+              <a:rPr kumimoji="1" lang="ja-JP" altLang="en-US"/>
               <a:t>レベル</a:t>
             </a:r>
-            <a:endParaRPr kumimoji="1" lang="ja-JP" altLang="en-US"/>
           </a:p>
         </p:txBody>
       </p:sp>
@@ -545,10 +554,9 @@
           <a:lstStyle/>
           <a:p>
             <a:r>
-              <a:rPr kumimoji="1" lang="ja-JP" altLang="en-US" smtClean="0"/>
+              <a:rPr kumimoji="1" lang="ja-JP" altLang="en-US"/>
               <a:t>マスター タイトルの書式設定</a:t>
             </a:r>
-            <a:endParaRPr kumimoji="1" lang="ja-JP" altLang="en-US"/>
           </a:p>
         </p:txBody>
       </p:sp>
@@ -574,70 +582,69 @@
           <a:p>
             <a:pPr lvl="0"/>
             <a:r>
-              <a:rPr kumimoji="1" lang="ja-JP" altLang="en-US" smtClean="0"/>
+              <a:rPr kumimoji="1" lang="ja-JP" altLang="en-US"/>
               <a:t>マスター テキストの書式設定</a:t>
             </a:r>
           </a:p>
           <a:p>
             <a:pPr lvl="1"/>
             <a:r>
-              <a:rPr kumimoji="1" lang="ja-JP" altLang="en-US" smtClean="0"/>
+              <a:rPr kumimoji="1" lang="ja-JP" altLang="en-US"/>
               <a:t>第 </a:t>
             </a:r>
             <a:r>
-              <a:rPr kumimoji="1" lang="en-US" altLang="ja-JP" smtClean="0"/>
+              <a:rPr kumimoji="1" lang="en-US" altLang="ja-JP"/>
               <a:t>2 </a:t>
             </a:r>
             <a:r>
-              <a:rPr kumimoji="1" lang="ja-JP" altLang="en-US" smtClean="0"/>
+              <a:rPr kumimoji="1" lang="ja-JP" altLang="en-US"/>
               <a:t>レベル</a:t>
             </a:r>
           </a:p>
           <a:p>
             <a:pPr lvl="2"/>
             <a:r>
-              <a:rPr kumimoji="1" lang="ja-JP" altLang="en-US" smtClean="0"/>
+              <a:rPr kumimoji="1" lang="ja-JP" altLang="en-US"/>
               <a:t>第 </a:t>
             </a:r>
             <a:r>
-              <a:rPr kumimoji="1" lang="en-US" altLang="ja-JP" smtClean="0"/>
+              <a:rPr kumimoji="1" lang="en-US" altLang="ja-JP"/>
               <a:t>3 </a:t>
             </a:r>
             <a:r>
-              <a:rPr kumimoji="1" lang="ja-JP" altLang="en-US" smtClean="0"/>
+              <a:rPr kumimoji="1" lang="ja-JP" altLang="en-US"/>
               <a:t>レベル</a:t>
             </a:r>
           </a:p>
           <a:p>
             <a:pPr lvl="3"/>
             <a:r>
-              <a:rPr kumimoji="1" lang="ja-JP" altLang="en-US" smtClean="0"/>
+              <a:rPr kumimoji="1" lang="ja-JP" altLang="en-US"/>
               <a:t>第 </a:t>
             </a:r>
             <a:r>
-              <a:rPr kumimoji="1" lang="en-US" altLang="ja-JP" smtClean="0"/>
+              <a:rPr kumimoji="1" lang="en-US" altLang="ja-JP"/>
               <a:t>4 </a:t>
             </a:r>
             <a:r>
-              <a:rPr kumimoji="1" lang="ja-JP" altLang="en-US" smtClean="0"/>
+              <a:rPr kumimoji="1" lang="ja-JP" altLang="en-US"/>
               <a:t>レベル</a:t>
             </a:r>
           </a:p>
           <a:p>
             <a:pPr lvl="4"/>
             <a:r>
-              <a:rPr kumimoji="1" lang="ja-JP" altLang="en-US" smtClean="0"/>
+              <a:rPr kumimoji="1" lang="ja-JP" altLang="en-US"/>
               <a:t>第 </a:t>
             </a:r>
             <a:r>
-              <a:rPr kumimoji="1" lang="en-US" altLang="ja-JP" smtClean="0"/>
+              <a:rPr kumimoji="1" lang="en-US" altLang="ja-JP"/>
               <a:t>5 </a:t>
             </a:r>
             <a:r>
-              <a:rPr kumimoji="1" lang="ja-JP" altLang="en-US" smtClean="0"/>
+              <a:rPr kumimoji="1" lang="ja-JP" altLang="en-US"/>
               <a:t>レベル</a:t>
             </a:r>
-            <a:endParaRPr kumimoji="1" lang="ja-JP" altLang="en-US"/>
           </a:p>
         </p:txBody>
       </p:sp>
@@ -754,10 +761,9 @@
           <a:lstStyle/>
           <a:p>
             <a:r>
-              <a:rPr kumimoji="1" lang="ja-JP" altLang="en-US" smtClean="0"/>
+              <a:rPr kumimoji="1" lang="ja-JP" altLang="en-US"/>
               <a:t>マスター タイトルの書式設定</a:t>
             </a:r>
-            <a:endParaRPr kumimoji="1" lang="ja-JP" altLang="en-US"/>
           </a:p>
         </p:txBody>
       </p:sp>
@@ -778,70 +784,69 @@
           <a:p>
             <a:pPr lvl="0"/>
             <a:r>
-              <a:rPr kumimoji="1" lang="ja-JP" altLang="en-US" smtClean="0"/>
+              <a:rPr kumimoji="1" lang="ja-JP" altLang="en-US"/>
               <a:t>マスター テキストの書式設定</a:t>
             </a:r>
           </a:p>
           <a:p>
             <a:pPr lvl="1"/>
             <a:r>
-              <a:rPr kumimoji="1" lang="ja-JP" altLang="en-US" smtClean="0"/>
+              <a:rPr kumimoji="1" lang="ja-JP" altLang="en-US"/>
               <a:t>第 </a:t>
             </a:r>
             <a:r>
-              <a:rPr kumimoji="1" lang="en-US" altLang="ja-JP" smtClean="0"/>
+              <a:rPr kumimoji="1" lang="en-US" altLang="ja-JP"/>
               <a:t>2 </a:t>
             </a:r>
             <a:r>
-              <a:rPr kumimoji="1" lang="ja-JP" altLang="en-US" smtClean="0"/>
+              <a:rPr kumimoji="1" lang="ja-JP" altLang="en-US"/>
               <a:t>レベル</a:t>
             </a:r>
           </a:p>
           <a:p>
             <a:pPr lvl="2"/>
             <a:r>
-              <a:rPr kumimoji="1" lang="ja-JP" altLang="en-US" smtClean="0"/>
+              <a:rPr kumimoji="1" lang="ja-JP" altLang="en-US"/>
               <a:t>第 </a:t>
             </a:r>
             <a:r>
-              <a:rPr kumimoji="1" lang="en-US" altLang="ja-JP" smtClean="0"/>
+              <a:rPr kumimoji="1" lang="en-US" altLang="ja-JP"/>
               <a:t>3 </a:t>
             </a:r>
             <a:r>
-              <a:rPr kumimoji="1" lang="ja-JP" altLang="en-US" smtClean="0"/>
+              <a:rPr kumimoji="1" lang="ja-JP" altLang="en-US"/>
               <a:t>レベル</a:t>
             </a:r>
           </a:p>
           <a:p>
             <a:pPr lvl="3"/>
             <a:r>
-              <a:rPr kumimoji="1" lang="ja-JP" altLang="en-US" smtClean="0"/>
+              <a:rPr kumimoji="1" lang="ja-JP" altLang="en-US"/>
               <a:t>第 </a:t>
             </a:r>
             <a:r>
-              <a:rPr kumimoji="1" lang="en-US" altLang="ja-JP" smtClean="0"/>
+              <a:rPr kumimoji="1" lang="en-US" altLang="ja-JP"/>
               <a:t>4 </a:t>
             </a:r>
             <a:r>
-              <a:rPr kumimoji="1" lang="ja-JP" altLang="en-US" smtClean="0"/>
+              <a:rPr kumimoji="1" lang="ja-JP" altLang="en-US"/>
               <a:t>レベル</a:t>
             </a:r>
           </a:p>
           <a:p>
             <a:pPr lvl="4"/>
             <a:r>
-              <a:rPr kumimoji="1" lang="ja-JP" altLang="en-US" smtClean="0"/>
+              <a:rPr kumimoji="1" lang="ja-JP" altLang="en-US"/>
               <a:t>第 </a:t>
             </a:r>
             <a:r>
-              <a:rPr kumimoji="1" lang="en-US" altLang="ja-JP" smtClean="0"/>
+              <a:rPr kumimoji="1" lang="en-US" altLang="ja-JP"/>
               <a:t>5 </a:t>
             </a:r>
             <a:r>
-              <a:rPr kumimoji="1" lang="ja-JP" altLang="en-US" smtClean="0"/>
+              <a:rPr kumimoji="1" lang="ja-JP" altLang="en-US"/>
               <a:t>レベル</a:t>
             </a:r>
-            <a:endParaRPr kumimoji="1" lang="ja-JP" altLang="en-US"/>
           </a:p>
         </p:txBody>
       </p:sp>
@@ -967,10 +972,9 @@
           </a:lstStyle>
           <a:p>
             <a:r>
-              <a:rPr kumimoji="1" lang="ja-JP" altLang="en-US" smtClean="0"/>
+              <a:rPr kumimoji="1" lang="ja-JP" altLang="en-US"/>
               <a:t>マスター タイトルの書式設定</a:t>
             </a:r>
-            <a:endParaRPr kumimoji="1" lang="ja-JP" altLang="en-US"/>
           </a:p>
         </p:txBody>
       </p:sp>
@@ -1087,7 +1091,7 @@
           <a:p>
             <a:pPr lvl="0"/>
             <a:r>
-              <a:rPr kumimoji="1" lang="ja-JP" altLang="en-US" smtClean="0"/>
+              <a:rPr kumimoji="1" lang="ja-JP" altLang="en-US"/>
               <a:t>マスター テキストの書式設定</a:t>
             </a:r>
           </a:p>
@@ -1206,10 +1210,9 @@
           <a:lstStyle/>
           <a:p>
             <a:r>
-              <a:rPr kumimoji="1" lang="ja-JP" altLang="en-US" smtClean="0"/>
+              <a:rPr kumimoji="1" lang="ja-JP" altLang="en-US"/>
               <a:t>マスター タイトルの書式設定</a:t>
             </a:r>
-            <a:endParaRPr kumimoji="1" lang="ja-JP" altLang="en-US"/>
           </a:p>
         </p:txBody>
       </p:sp>
@@ -1235,70 +1238,69 @@
           <a:p>
             <a:pPr lvl="0"/>
             <a:r>
-              <a:rPr kumimoji="1" lang="ja-JP" altLang="en-US" smtClean="0"/>
+              <a:rPr kumimoji="1" lang="ja-JP" altLang="en-US"/>
               <a:t>マスター テキストの書式設定</a:t>
             </a:r>
           </a:p>
           <a:p>
             <a:pPr lvl="1"/>
             <a:r>
-              <a:rPr kumimoji="1" lang="ja-JP" altLang="en-US" smtClean="0"/>
+              <a:rPr kumimoji="1" lang="ja-JP" altLang="en-US"/>
               <a:t>第 </a:t>
             </a:r>
             <a:r>
-              <a:rPr kumimoji="1" lang="en-US" altLang="ja-JP" smtClean="0"/>
+              <a:rPr kumimoji="1" lang="en-US" altLang="ja-JP"/>
               <a:t>2 </a:t>
             </a:r>
             <a:r>
-              <a:rPr kumimoji="1" lang="ja-JP" altLang="en-US" smtClean="0"/>
+              <a:rPr kumimoji="1" lang="ja-JP" altLang="en-US"/>
               <a:t>レベル</a:t>
             </a:r>
           </a:p>
           <a:p>
             <a:pPr lvl="2"/>
             <a:r>
-              <a:rPr kumimoji="1" lang="ja-JP" altLang="en-US" smtClean="0"/>
+              <a:rPr kumimoji="1" lang="ja-JP" altLang="en-US"/>
               <a:t>第 </a:t>
             </a:r>
             <a:r>
-              <a:rPr kumimoji="1" lang="en-US" altLang="ja-JP" smtClean="0"/>
+              <a:rPr kumimoji="1" lang="en-US" altLang="ja-JP"/>
               <a:t>3 </a:t>
             </a:r>
             <a:r>
-              <a:rPr kumimoji="1" lang="ja-JP" altLang="en-US" smtClean="0"/>
+              <a:rPr kumimoji="1" lang="ja-JP" altLang="en-US"/>
               <a:t>レベル</a:t>
             </a:r>
           </a:p>
           <a:p>
             <a:pPr lvl="3"/>
             <a:r>
-              <a:rPr kumimoji="1" lang="ja-JP" altLang="en-US" smtClean="0"/>
+              <a:rPr kumimoji="1" lang="ja-JP" altLang="en-US"/>
               <a:t>第 </a:t>
             </a:r>
             <a:r>
-              <a:rPr kumimoji="1" lang="en-US" altLang="ja-JP" smtClean="0"/>
+              <a:rPr kumimoji="1" lang="en-US" altLang="ja-JP"/>
               <a:t>4 </a:t>
             </a:r>
             <a:r>
-              <a:rPr kumimoji="1" lang="ja-JP" altLang="en-US" smtClean="0"/>
+              <a:rPr kumimoji="1" lang="ja-JP" altLang="en-US"/>
               <a:t>レベル</a:t>
             </a:r>
           </a:p>
           <a:p>
             <a:pPr lvl="4"/>
             <a:r>
-              <a:rPr kumimoji="1" lang="ja-JP" altLang="en-US" smtClean="0"/>
+              <a:rPr kumimoji="1" lang="ja-JP" altLang="en-US"/>
               <a:t>第 </a:t>
             </a:r>
             <a:r>
-              <a:rPr kumimoji="1" lang="en-US" altLang="ja-JP" smtClean="0"/>
+              <a:rPr kumimoji="1" lang="en-US" altLang="ja-JP"/>
               <a:t>5 </a:t>
             </a:r>
             <a:r>
-              <a:rPr kumimoji="1" lang="ja-JP" altLang="en-US" smtClean="0"/>
+              <a:rPr kumimoji="1" lang="ja-JP" altLang="en-US"/>
               <a:t>レベル</a:t>
             </a:r>
-            <a:endParaRPr kumimoji="1" lang="ja-JP" altLang="en-US"/>
           </a:p>
         </p:txBody>
       </p:sp>
@@ -1324,70 +1326,69 @@
           <a:p>
             <a:pPr lvl="0"/>
             <a:r>
-              <a:rPr kumimoji="1" lang="ja-JP" altLang="en-US" smtClean="0"/>
+              <a:rPr kumimoji="1" lang="ja-JP" altLang="en-US"/>
               <a:t>マスター テキストの書式設定</a:t>
             </a:r>
           </a:p>
           <a:p>
             <a:pPr lvl="1"/>
             <a:r>
-              <a:rPr kumimoji="1" lang="ja-JP" altLang="en-US" smtClean="0"/>
+              <a:rPr kumimoji="1" lang="ja-JP" altLang="en-US"/>
               <a:t>第 </a:t>
             </a:r>
             <a:r>
-              <a:rPr kumimoji="1" lang="en-US" altLang="ja-JP" smtClean="0"/>
+              <a:rPr kumimoji="1" lang="en-US" altLang="ja-JP"/>
               <a:t>2 </a:t>
             </a:r>
             <a:r>
-              <a:rPr kumimoji="1" lang="ja-JP" altLang="en-US" smtClean="0"/>
+              <a:rPr kumimoji="1" lang="ja-JP" altLang="en-US"/>
               <a:t>レベル</a:t>
             </a:r>
           </a:p>
           <a:p>
             <a:pPr lvl="2"/>
             <a:r>
-              <a:rPr kumimoji="1" lang="ja-JP" altLang="en-US" smtClean="0"/>
+              <a:rPr kumimoji="1" lang="ja-JP" altLang="en-US"/>
               <a:t>第 </a:t>
             </a:r>
             <a:r>
-              <a:rPr kumimoji="1" lang="en-US" altLang="ja-JP" smtClean="0"/>
+              <a:rPr kumimoji="1" lang="en-US" altLang="ja-JP"/>
               <a:t>3 </a:t>
             </a:r>
             <a:r>
-              <a:rPr kumimoji="1" lang="ja-JP" altLang="en-US" smtClean="0"/>
+              <a:rPr kumimoji="1" lang="ja-JP" altLang="en-US"/>
               <a:t>レベル</a:t>
             </a:r>
           </a:p>
           <a:p>
             <a:pPr lvl="3"/>
             <a:r>
-              <a:rPr kumimoji="1" lang="ja-JP" altLang="en-US" smtClean="0"/>
+              <a:rPr kumimoji="1" lang="ja-JP" altLang="en-US"/>
               <a:t>第 </a:t>
             </a:r>
             <a:r>
-              <a:rPr kumimoji="1" lang="en-US" altLang="ja-JP" smtClean="0"/>
+              <a:rPr kumimoji="1" lang="en-US" altLang="ja-JP"/>
               <a:t>4 </a:t>
             </a:r>
             <a:r>
-              <a:rPr kumimoji="1" lang="ja-JP" altLang="en-US" smtClean="0"/>
+              <a:rPr kumimoji="1" lang="ja-JP" altLang="en-US"/>
               <a:t>レベル</a:t>
             </a:r>
           </a:p>
           <a:p>
             <a:pPr lvl="4"/>
             <a:r>
-              <a:rPr kumimoji="1" lang="ja-JP" altLang="en-US" smtClean="0"/>
+              <a:rPr kumimoji="1" lang="ja-JP" altLang="en-US"/>
               <a:t>第 </a:t>
             </a:r>
             <a:r>
-              <a:rPr kumimoji="1" lang="en-US" altLang="ja-JP" smtClean="0"/>
+              <a:rPr kumimoji="1" lang="en-US" altLang="ja-JP"/>
               <a:t>5 </a:t>
             </a:r>
             <a:r>
-              <a:rPr kumimoji="1" lang="ja-JP" altLang="en-US" smtClean="0"/>
+              <a:rPr kumimoji="1" lang="ja-JP" altLang="en-US"/>
               <a:t>レベル</a:t>
             </a:r>
-            <a:endParaRPr kumimoji="1" lang="ja-JP" altLang="en-US"/>
           </a:p>
         </p:txBody>
       </p:sp>
@@ -1507,10 +1508,9 @@
           <a:lstStyle/>
           <a:p>
             <a:r>
-              <a:rPr kumimoji="1" lang="ja-JP" altLang="en-US" smtClean="0"/>
+              <a:rPr kumimoji="1" lang="ja-JP" altLang="en-US"/>
               <a:t>マスター タイトルの書式設定</a:t>
             </a:r>
-            <a:endParaRPr kumimoji="1" lang="ja-JP" altLang="en-US"/>
           </a:p>
         </p:txBody>
       </p:sp>
@@ -1573,7 +1573,7 @@
           <a:p>
             <a:pPr lvl="0"/>
             <a:r>
-              <a:rPr kumimoji="1" lang="ja-JP" altLang="en-US" smtClean="0"/>
+              <a:rPr kumimoji="1" lang="ja-JP" altLang="en-US"/>
               <a:t>マスター テキストの書式設定</a:t>
             </a:r>
           </a:p>
@@ -1601,70 +1601,69 @@
           <a:p>
             <a:pPr lvl="0"/>
             <a:r>
-              <a:rPr kumimoji="1" lang="ja-JP" altLang="en-US" smtClean="0"/>
+              <a:rPr kumimoji="1" lang="ja-JP" altLang="en-US"/>
               <a:t>マスター テキストの書式設定</a:t>
             </a:r>
           </a:p>
           <a:p>
             <a:pPr lvl="1"/>
             <a:r>
-              <a:rPr kumimoji="1" lang="ja-JP" altLang="en-US" smtClean="0"/>
+              <a:rPr kumimoji="1" lang="ja-JP" altLang="en-US"/>
               <a:t>第 </a:t>
             </a:r>
             <a:r>
-              <a:rPr kumimoji="1" lang="en-US" altLang="ja-JP" smtClean="0"/>
+              <a:rPr kumimoji="1" lang="en-US" altLang="ja-JP"/>
               <a:t>2 </a:t>
             </a:r>
             <a:r>
-              <a:rPr kumimoji="1" lang="ja-JP" altLang="en-US" smtClean="0"/>
+              <a:rPr kumimoji="1" lang="ja-JP" altLang="en-US"/>
               <a:t>レベル</a:t>
             </a:r>
           </a:p>
           <a:p>
             <a:pPr lvl="2"/>
             <a:r>
-              <a:rPr kumimoji="1" lang="ja-JP" altLang="en-US" smtClean="0"/>
+              <a:rPr kumimoji="1" lang="ja-JP" altLang="en-US"/>
               <a:t>第 </a:t>
             </a:r>
             <a:r>
-              <a:rPr kumimoji="1" lang="en-US" altLang="ja-JP" smtClean="0"/>
+              <a:rPr kumimoji="1" lang="en-US" altLang="ja-JP"/>
               <a:t>3 </a:t>
             </a:r>
             <a:r>
-              <a:rPr kumimoji="1" lang="ja-JP" altLang="en-US" smtClean="0"/>
+              <a:rPr kumimoji="1" lang="ja-JP" altLang="en-US"/>
               <a:t>レベル</a:t>
             </a:r>
           </a:p>
           <a:p>
             <a:pPr lvl="3"/>
             <a:r>
-              <a:rPr kumimoji="1" lang="ja-JP" altLang="en-US" smtClean="0"/>
+              <a:rPr kumimoji="1" lang="ja-JP" altLang="en-US"/>
               <a:t>第 </a:t>
             </a:r>
             <a:r>
-              <a:rPr kumimoji="1" lang="en-US" altLang="ja-JP" smtClean="0"/>
+              <a:rPr kumimoji="1" lang="en-US" altLang="ja-JP"/>
               <a:t>4 </a:t>
             </a:r>
             <a:r>
-              <a:rPr kumimoji="1" lang="ja-JP" altLang="en-US" smtClean="0"/>
+              <a:rPr kumimoji="1" lang="ja-JP" altLang="en-US"/>
               <a:t>レベル</a:t>
             </a:r>
           </a:p>
           <a:p>
             <a:pPr lvl="4"/>
             <a:r>
-              <a:rPr kumimoji="1" lang="ja-JP" altLang="en-US" smtClean="0"/>
+              <a:rPr kumimoji="1" lang="ja-JP" altLang="en-US"/>
               <a:t>第 </a:t>
             </a:r>
             <a:r>
-              <a:rPr kumimoji="1" lang="en-US" altLang="ja-JP" smtClean="0"/>
+              <a:rPr kumimoji="1" lang="en-US" altLang="ja-JP"/>
               <a:t>5 </a:t>
             </a:r>
             <a:r>
-              <a:rPr kumimoji="1" lang="ja-JP" altLang="en-US" smtClean="0"/>
+              <a:rPr kumimoji="1" lang="ja-JP" altLang="en-US"/>
               <a:t>レベル</a:t>
             </a:r>
-            <a:endParaRPr kumimoji="1" lang="ja-JP" altLang="en-US"/>
           </a:p>
         </p:txBody>
       </p:sp>
@@ -1727,7 +1726,7 @@
           <a:p>
             <a:pPr lvl="0"/>
             <a:r>
-              <a:rPr kumimoji="1" lang="ja-JP" altLang="en-US" smtClean="0"/>
+              <a:rPr kumimoji="1" lang="ja-JP" altLang="en-US"/>
               <a:t>マスター テキストの書式設定</a:t>
             </a:r>
           </a:p>
@@ -1755,70 +1754,69 @@
           <a:p>
             <a:pPr lvl="0"/>
             <a:r>
-              <a:rPr kumimoji="1" lang="ja-JP" altLang="en-US" smtClean="0"/>
+              <a:rPr kumimoji="1" lang="ja-JP" altLang="en-US"/>
               <a:t>マスター テキストの書式設定</a:t>
             </a:r>
           </a:p>
           <a:p>
             <a:pPr lvl="1"/>
             <a:r>
-              <a:rPr kumimoji="1" lang="ja-JP" altLang="en-US" smtClean="0"/>
+              <a:rPr kumimoji="1" lang="ja-JP" altLang="en-US"/>
               <a:t>第 </a:t>
             </a:r>
             <a:r>
-              <a:rPr kumimoji="1" lang="en-US" altLang="ja-JP" smtClean="0"/>
+              <a:rPr kumimoji="1" lang="en-US" altLang="ja-JP"/>
               <a:t>2 </a:t>
             </a:r>
             <a:r>
-              <a:rPr kumimoji="1" lang="ja-JP" altLang="en-US" smtClean="0"/>
+              <a:rPr kumimoji="1" lang="ja-JP" altLang="en-US"/>
               <a:t>レベル</a:t>
             </a:r>
           </a:p>
           <a:p>
             <a:pPr lvl="2"/>
             <a:r>
-              <a:rPr kumimoji="1" lang="ja-JP" altLang="en-US" smtClean="0"/>
+              <a:rPr kumimoji="1" lang="ja-JP" altLang="en-US"/>
               <a:t>第 </a:t>
             </a:r>
             <a:r>
-              <a:rPr kumimoji="1" lang="en-US" altLang="ja-JP" smtClean="0"/>
+              <a:rPr kumimoji="1" lang="en-US" altLang="ja-JP"/>
               <a:t>3 </a:t>
             </a:r>
             <a:r>
-              <a:rPr kumimoji="1" lang="ja-JP" altLang="en-US" smtClean="0"/>
+              <a:rPr kumimoji="1" lang="ja-JP" altLang="en-US"/>
               <a:t>レベル</a:t>
             </a:r>
           </a:p>
           <a:p>
             <a:pPr lvl="3"/>
             <a:r>
-              <a:rPr kumimoji="1" lang="ja-JP" altLang="en-US" smtClean="0"/>
+              <a:rPr kumimoji="1" lang="ja-JP" altLang="en-US"/>
               <a:t>第 </a:t>
             </a:r>
             <a:r>
-              <a:rPr kumimoji="1" lang="en-US" altLang="ja-JP" smtClean="0"/>
+              <a:rPr kumimoji="1" lang="en-US" altLang="ja-JP"/>
               <a:t>4 </a:t>
             </a:r>
             <a:r>
-              <a:rPr kumimoji="1" lang="ja-JP" altLang="en-US" smtClean="0"/>
+              <a:rPr kumimoji="1" lang="ja-JP" altLang="en-US"/>
               <a:t>レベル</a:t>
             </a:r>
           </a:p>
           <a:p>
             <a:pPr lvl="4"/>
             <a:r>
-              <a:rPr kumimoji="1" lang="ja-JP" altLang="en-US" smtClean="0"/>
+              <a:rPr kumimoji="1" lang="ja-JP" altLang="en-US"/>
               <a:t>第 </a:t>
             </a:r>
             <a:r>
-              <a:rPr kumimoji="1" lang="en-US" altLang="ja-JP" smtClean="0"/>
+              <a:rPr kumimoji="1" lang="en-US" altLang="ja-JP"/>
               <a:t>5 </a:t>
             </a:r>
             <a:r>
-              <a:rPr kumimoji="1" lang="ja-JP" altLang="en-US" smtClean="0"/>
+              <a:rPr kumimoji="1" lang="ja-JP" altLang="en-US"/>
               <a:t>レベル</a:t>
             </a:r>
-            <a:endParaRPr kumimoji="1" lang="ja-JP" altLang="en-US"/>
           </a:p>
         </p:txBody>
       </p:sp>
@@ -1935,10 +1933,9 @@
           <a:lstStyle/>
           <a:p>
             <a:r>
-              <a:rPr kumimoji="1" lang="ja-JP" altLang="en-US" smtClean="0"/>
+              <a:rPr kumimoji="1" lang="ja-JP" altLang="en-US"/>
               <a:t>マスター タイトルの書式設定</a:t>
             </a:r>
-            <a:endParaRPr kumimoji="1" lang="ja-JP" altLang="en-US"/>
           </a:p>
         </p:txBody>
       </p:sp>
@@ -2161,10 +2158,9 @@
           </a:lstStyle>
           <a:p>
             <a:r>
-              <a:rPr kumimoji="1" lang="ja-JP" altLang="en-US" smtClean="0"/>
+              <a:rPr kumimoji="1" lang="ja-JP" altLang="en-US"/>
               <a:t>マスター タイトルの書式設定</a:t>
             </a:r>
-            <a:endParaRPr kumimoji="1" lang="ja-JP" altLang="en-US"/>
           </a:p>
         </p:txBody>
       </p:sp>
@@ -2218,70 +2214,69 @@
           <a:p>
             <a:pPr lvl="0"/>
             <a:r>
-              <a:rPr kumimoji="1" lang="ja-JP" altLang="en-US" smtClean="0"/>
+              <a:rPr kumimoji="1" lang="ja-JP" altLang="en-US"/>
               <a:t>マスター テキストの書式設定</a:t>
             </a:r>
           </a:p>
           <a:p>
             <a:pPr lvl="1"/>
             <a:r>
-              <a:rPr kumimoji="1" lang="ja-JP" altLang="en-US" smtClean="0"/>
+              <a:rPr kumimoji="1" lang="ja-JP" altLang="en-US"/>
               <a:t>第 </a:t>
             </a:r>
             <a:r>
-              <a:rPr kumimoji="1" lang="en-US" altLang="ja-JP" smtClean="0"/>
+              <a:rPr kumimoji="1" lang="en-US" altLang="ja-JP"/>
               <a:t>2 </a:t>
             </a:r>
             <a:r>
-              <a:rPr kumimoji="1" lang="ja-JP" altLang="en-US" smtClean="0"/>
+              <a:rPr kumimoji="1" lang="ja-JP" altLang="en-US"/>
               <a:t>レベル</a:t>
             </a:r>
           </a:p>
           <a:p>
             <a:pPr lvl="2"/>
             <a:r>
-              <a:rPr kumimoji="1" lang="ja-JP" altLang="en-US" smtClean="0"/>
+              <a:rPr kumimoji="1" lang="ja-JP" altLang="en-US"/>
               <a:t>第 </a:t>
             </a:r>
             <a:r>
-              <a:rPr kumimoji="1" lang="en-US" altLang="ja-JP" smtClean="0"/>
+              <a:rPr kumimoji="1" lang="en-US" altLang="ja-JP"/>
               <a:t>3 </a:t>
             </a:r>
             <a:r>
-              <a:rPr kumimoji="1" lang="ja-JP" altLang="en-US" smtClean="0"/>
+              <a:rPr kumimoji="1" lang="ja-JP" altLang="en-US"/>
               <a:t>レベル</a:t>
             </a:r>
           </a:p>
           <a:p>
             <a:pPr lvl="3"/>
             <a:r>
-              <a:rPr kumimoji="1" lang="ja-JP" altLang="en-US" smtClean="0"/>
+              <a:rPr kumimoji="1" lang="ja-JP" altLang="en-US"/>
               <a:t>第 </a:t>
             </a:r>
             <a:r>
-              <a:rPr kumimoji="1" lang="en-US" altLang="ja-JP" smtClean="0"/>
+              <a:rPr kumimoji="1" lang="en-US" altLang="ja-JP"/>
               <a:t>4 </a:t>
             </a:r>
             <a:r>
-              <a:rPr kumimoji="1" lang="ja-JP" altLang="en-US" smtClean="0"/>
+              <a:rPr kumimoji="1" lang="ja-JP" altLang="en-US"/>
               <a:t>レベル</a:t>
             </a:r>
           </a:p>
           <a:p>
             <a:pPr lvl="4"/>
             <a:r>
-              <a:rPr kumimoji="1" lang="ja-JP" altLang="en-US" smtClean="0"/>
+              <a:rPr kumimoji="1" lang="ja-JP" altLang="en-US"/>
               <a:t>第 </a:t>
             </a:r>
             <a:r>
-              <a:rPr kumimoji="1" lang="en-US" altLang="ja-JP" smtClean="0"/>
+              <a:rPr kumimoji="1" lang="en-US" altLang="ja-JP"/>
               <a:t>5 </a:t>
             </a:r>
             <a:r>
-              <a:rPr kumimoji="1" lang="ja-JP" altLang="en-US" smtClean="0"/>
+              <a:rPr kumimoji="1" lang="ja-JP" altLang="en-US"/>
               <a:t>レベル</a:t>
             </a:r>
-            <a:endParaRPr kumimoji="1" lang="ja-JP" altLang="en-US"/>
           </a:p>
         </p:txBody>
       </p:sp>
@@ -2344,7 +2339,7 @@
           <a:p>
             <a:pPr lvl="0"/>
             <a:r>
-              <a:rPr kumimoji="1" lang="ja-JP" altLang="en-US" smtClean="0"/>
+              <a:rPr kumimoji="1" lang="ja-JP" altLang="en-US"/>
               <a:t>マスター テキストの書式設定</a:t>
             </a:r>
           </a:p>
@@ -2470,10 +2465,9 @@
           </a:lstStyle>
           <a:p>
             <a:r>
-              <a:rPr kumimoji="1" lang="ja-JP" altLang="en-US" smtClean="0"/>
+              <a:rPr kumimoji="1" lang="ja-JP" altLang="en-US"/>
               <a:t>マスター タイトルの書式設定</a:t>
             </a:r>
-            <a:endParaRPr kumimoji="1" lang="ja-JP" altLang="en-US"/>
           </a:p>
         </p:txBody>
       </p:sp>
@@ -2597,7 +2591,7 @@
           <a:p>
             <a:pPr lvl="0"/>
             <a:r>
-              <a:rPr kumimoji="1" lang="ja-JP" altLang="en-US" smtClean="0"/>
+              <a:rPr kumimoji="1" lang="ja-JP" altLang="en-US"/>
               <a:t>マスター テキストの書式設定</a:t>
             </a:r>
           </a:p>
@@ -2731,10 +2725,9 @@
           <a:lstStyle/>
           <a:p>
             <a:r>
-              <a:rPr kumimoji="1" lang="ja-JP" altLang="en-US" smtClean="0"/>
+              <a:rPr kumimoji="1" lang="ja-JP" altLang="en-US"/>
               <a:t>マスター タイトルの書式設定</a:t>
             </a:r>
-            <a:endParaRPr kumimoji="1" lang="ja-JP" altLang="en-US"/>
           </a:p>
         </p:txBody>
       </p:sp>
@@ -2765,70 +2758,69 @@
           <a:p>
             <a:pPr lvl="0"/>
             <a:r>
-              <a:rPr kumimoji="1" lang="ja-JP" altLang="en-US" smtClean="0"/>
+              <a:rPr kumimoji="1" lang="ja-JP" altLang="en-US"/>
               <a:t>マスター テキストの書式設定</a:t>
             </a:r>
           </a:p>
           <a:p>
             <a:pPr lvl="1"/>
             <a:r>
-              <a:rPr kumimoji="1" lang="ja-JP" altLang="en-US" smtClean="0"/>
+              <a:rPr kumimoji="1" lang="ja-JP" altLang="en-US"/>
               <a:t>第 </a:t>
             </a:r>
             <a:r>
-              <a:rPr kumimoji="1" lang="en-US" altLang="ja-JP" smtClean="0"/>
+              <a:rPr kumimoji="1" lang="en-US" altLang="ja-JP"/>
               <a:t>2 </a:t>
             </a:r>
             <a:r>
-              <a:rPr kumimoji="1" lang="ja-JP" altLang="en-US" smtClean="0"/>
+              <a:rPr kumimoji="1" lang="ja-JP" altLang="en-US"/>
               <a:t>レベル</a:t>
             </a:r>
           </a:p>
           <a:p>
             <a:pPr lvl="2"/>
             <a:r>
-              <a:rPr kumimoji="1" lang="ja-JP" altLang="en-US" smtClean="0"/>
+              <a:rPr kumimoji="1" lang="ja-JP" altLang="en-US"/>
               <a:t>第 </a:t>
             </a:r>
             <a:r>
-              <a:rPr kumimoji="1" lang="en-US" altLang="ja-JP" smtClean="0"/>
+              <a:rPr kumimoji="1" lang="en-US" altLang="ja-JP"/>
               <a:t>3 </a:t>
             </a:r>
             <a:r>
-              <a:rPr kumimoji="1" lang="ja-JP" altLang="en-US" smtClean="0"/>
+              <a:rPr kumimoji="1" lang="ja-JP" altLang="en-US"/>
               <a:t>レベル</a:t>
             </a:r>
           </a:p>
           <a:p>
             <a:pPr lvl="3"/>
             <a:r>
-              <a:rPr kumimoji="1" lang="ja-JP" altLang="en-US" smtClean="0"/>
+              <a:rPr kumimoji="1" lang="ja-JP" altLang="en-US"/>
               <a:t>第 </a:t>
             </a:r>
             <a:r>
-              <a:rPr kumimoji="1" lang="en-US" altLang="ja-JP" smtClean="0"/>
+              <a:rPr kumimoji="1" lang="en-US" altLang="ja-JP"/>
               <a:t>4 </a:t>
             </a:r>
             <a:r>
-              <a:rPr kumimoji="1" lang="ja-JP" altLang="en-US" smtClean="0"/>
+              <a:rPr kumimoji="1" lang="ja-JP" altLang="en-US"/>
               <a:t>レベル</a:t>
             </a:r>
           </a:p>
           <a:p>
             <a:pPr lvl="4"/>
             <a:r>
-              <a:rPr kumimoji="1" lang="ja-JP" altLang="en-US" smtClean="0"/>
+              <a:rPr kumimoji="1" lang="ja-JP" altLang="en-US"/>
               <a:t>第 </a:t>
             </a:r>
             <a:r>
-              <a:rPr kumimoji="1" lang="en-US" altLang="ja-JP" smtClean="0"/>
+              <a:rPr kumimoji="1" lang="en-US" altLang="ja-JP"/>
               <a:t>5 </a:t>
             </a:r>
             <a:r>
-              <a:rPr kumimoji="1" lang="ja-JP" altLang="en-US" smtClean="0"/>
+              <a:rPr kumimoji="1" lang="ja-JP" altLang="en-US"/>
               <a:t>レベル</a:t>
             </a:r>
-            <a:endParaRPr kumimoji="1" lang="ja-JP" altLang="en-US"/>
           </a:p>
         </p:txBody>
       </p:sp>
@@ -3312,7 +3304,7 @@
         </p:nvSpPr>
         <p:spPr>
           <a:xfrm>
-            <a:off x="1875597" y="3458966"/>
+            <a:off x="1695969" y="3429000"/>
             <a:ext cx="9144000" cy="1655762"/>
           </a:xfrm>
         </p:spPr>
@@ -3323,145 +3315,185 @@
           <a:lstStyle/>
           <a:p>
             <a:r>
-              <a:rPr kumimoji="1" lang="ja-JP" altLang="en-US" sz="4000" dirty="0" smtClean="0"/>
+              <a:rPr kumimoji="1" lang="ja-JP" altLang="en-US" sz="4000" dirty="0">
+                <a:latin typeface="HGP創英角ｺﾞｼｯｸUB" panose="020B0900000000000000" pitchFamily="50" charset="-128"/>
+                <a:ea typeface="HGP創英角ｺﾞｼｯｸUB" panose="020B0900000000000000" pitchFamily="50" charset="-128"/>
+              </a:rPr>
               <a:t>ステルスアクションゲーム</a:t>
             </a:r>
-            <a:endParaRPr kumimoji="1" lang="ja-JP" altLang="en-US" sz="4000" dirty="0"/>
+          </a:p>
+        </p:txBody>
+      </p:sp>
+      <p:sp>
+        <p:nvSpPr>
+          <p:cNvPr id="5" name="テキスト ボックス 4"/>
+          <p:cNvSpPr txBox="1"/>
+          <p:nvPr/>
+        </p:nvSpPr>
+        <p:spPr>
+          <a:xfrm>
+            <a:off x="2805545" y="4423042"/>
+            <a:ext cx="9164782" cy="1323439"/>
+          </a:xfrm>
+          <a:prstGeom prst="rect">
+            <a:avLst/>
+          </a:prstGeom>
+          <a:noFill/>
+        </p:spPr>
+        <p:txBody>
+          <a:bodyPr wrap="square" rtlCol="0">
+            <a:spAutoFit/>
+          </a:bodyPr>
+          <a:lstStyle/>
+          <a:p>
+            <a:r>
+              <a:rPr kumimoji="1" lang="ja-JP" altLang="en-US" sz="4000" dirty="0">
+                <a:latin typeface="HGP創英角ｺﾞｼｯｸUB" panose="020B0900000000000000" pitchFamily="50" charset="-128"/>
+                <a:ea typeface="HGP創英角ｺﾞｼｯｸUB" panose="020B0900000000000000" pitchFamily="50" charset="-128"/>
+              </a:rPr>
+              <a:t>チーム名　　食パン</a:t>
+            </a:r>
+            <a:endParaRPr kumimoji="1" lang="en-US" altLang="ja-JP" sz="4000" dirty="0">
+              <a:latin typeface="HGP創英角ｺﾞｼｯｸUB" panose="020B0900000000000000" pitchFamily="50" charset="-128"/>
+              <a:ea typeface="HGP創英角ｺﾞｼｯｸUB" panose="020B0900000000000000" pitchFamily="50" charset="-128"/>
+            </a:endParaRPr>
+          </a:p>
+          <a:p>
+            <a:endParaRPr kumimoji="1" lang="ja-JP" altLang="en-US" sz="4000" dirty="0">
+              <a:latin typeface="HGP創英角ｺﾞｼｯｸUB" panose="020B0900000000000000" pitchFamily="50" charset="-128"/>
+              <a:ea typeface="HGP創英角ｺﾞｼｯｸUB" panose="020B0900000000000000" pitchFamily="50" charset="-128"/>
+            </a:endParaRPr>
+          </a:p>
+        </p:txBody>
+      </p:sp>
+      <p:sp>
+        <p:nvSpPr>
+          <p:cNvPr id="7" name="テキスト ボックス 6"/>
+          <p:cNvSpPr txBox="1"/>
+          <p:nvPr/>
+        </p:nvSpPr>
+        <p:spPr>
+          <a:xfrm>
+            <a:off x="2785860" y="5084761"/>
+            <a:ext cx="7372312" cy="830997"/>
+          </a:xfrm>
+          <a:prstGeom prst="rect">
+            <a:avLst/>
+          </a:prstGeom>
+          <a:noFill/>
+        </p:spPr>
+        <p:txBody>
+          <a:bodyPr wrap="square" rtlCol="0">
+            <a:spAutoFit/>
+          </a:bodyPr>
+          <a:lstStyle/>
+          <a:p>
+            <a:r>
+              <a:rPr kumimoji="1" lang="ja-JP" altLang="en-US" sz="2400" dirty="0">
+                <a:latin typeface="HGP創英角ｺﾞｼｯｸUB" panose="020B0900000000000000" pitchFamily="50" charset="-128"/>
+                <a:ea typeface="HGP創英角ｺﾞｼｯｸUB" panose="020B0900000000000000" pitchFamily="50" charset="-128"/>
+              </a:rPr>
+              <a:t>メンバー</a:t>
+            </a:r>
+            <a:r>
+              <a:rPr kumimoji="1" lang="en-US" altLang="ja-JP" sz="2400" dirty="0">
+                <a:latin typeface="HGP創英角ｺﾞｼｯｸUB" panose="020B0900000000000000" pitchFamily="50" charset="-128"/>
+                <a:ea typeface="HGP創英角ｺﾞｼｯｸUB" panose="020B0900000000000000" pitchFamily="50" charset="-128"/>
+              </a:rPr>
+              <a:t>		</a:t>
+            </a:r>
+            <a:r>
+              <a:rPr kumimoji="1" lang="ja-JP" altLang="en-US" sz="2400" dirty="0">
+                <a:latin typeface="HGP創英角ｺﾞｼｯｸUB" panose="020B0900000000000000" pitchFamily="50" charset="-128"/>
+                <a:ea typeface="HGP創英角ｺﾞｼｯｸUB" panose="020B0900000000000000" pitchFamily="50" charset="-128"/>
+              </a:rPr>
+              <a:t>金田　光輝</a:t>
+            </a:r>
+            <a:r>
+              <a:rPr kumimoji="1" lang="en-US" altLang="ja-JP" sz="2400" dirty="0">
+                <a:latin typeface="HGP創英角ｺﾞｼｯｸUB" panose="020B0900000000000000" pitchFamily="50" charset="-128"/>
+                <a:ea typeface="HGP創英角ｺﾞｼｯｸUB" panose="020B0900000000000000" pitchFamily="50" charset="-128"/>
+              </a:rPr>
+              <a:t>			</a:t>
+            </a:r>
+            <a:r>
+              <a:rPr kumimoji="1" lang="ja-JP" altLang="en-US" sz="2400" dirty="0">
+                <a:latin typeface="HGP創英角ｺﾞｼｯｸUB" panose="020B0900000000000000" pitchFamily="50" charset="-128"/>
+                <a:ea typeface="HGP創英角ｺﾞｼｯｸUB" panose="020B0900000000000000" pitchFamily="50" charset="-128"/>
+              </a:rPr>
+              <a:t>井手　啓輔</a:t>
+            </a:r>
+            <a:endParaRPr kumimoji="1" lang="en-US" altLang="ja-JP" sz="2400" dirty="0">
+              <a:latin typeface="HGP創英角ｺﾞｼｯｸUB" panose="020B0900000000000000" pitchFamily="50" charset="-128"/>
+              <a:ea typeface="HGP創英角ｺﾞｼｯｸUB" panose="020B0900000000000000" pitchFamily="50" charset="-128"/>
+            </a:endParaRPr>
+          </a:p>
+          <a:p>
+            <a:r>
+              <a:rPr kumimoji="1" lang="en-US" altLang="ja-JP" sz="2400" dirty="0">
+                <a:latin typeface="HGP創英角ｺﾞｼｯｸUB" panose="020B0900000000000000" pitchFamily="50" charset="-128"/>
+                <a:ea typeface="HGP創英角ｺﾞｼｯｸUB" panose="020B0900000000000000" pitchFamily="50" charset="-128"/>
+              </a:rPr>
+              <a:t>				</a:t>
+            </a:r>
+            <a:r>
+              <a:rPr kumimoji="1" lang="ja-JP" altLang="en-US" sz="2400" dirty="0">
+                <a:latin typeface="HGP創英角ｺﾞｼｯｸUB" panose="020B0900000000000000" pitchFamily="50" charset="-128"/>
+                <a:ea typeface="HGP創英角ｺﾞｼｯｸUB" panose="020B0900000000000000" pitchFamily="50" charset="-128"/>
+              </a:rPr>
+              <a:t>辻　陵太</a:t>
+            </a:r>
+            <a:r>
+              <a:rPr kumimoji="1" lang="en-US" altLang="ja-JP" sz="2400" dirty="0">
+                <a:latin typeface="HGP創英角ｺﾞｼｯｸUB" panose="020B0900000000000000" pitchFamily="50" charset="-128"/>
+                <a:ea typeface="HGP創英角ｺﾞｼｯｸUB" panose="020B0900000000000000" pitchFamily="50" charset="-128"/>
+              </a:rPr>
+              <a:t>				</a:t>
+            </a:r>
+            <a:r>
+              <a:rPr kumimoji="1" lang="ja-JP" altLang="en-US" sz="2400" dirty="0">
+                <a:latin typeface="HGP創英角ｺﾞｼｯｸUB" panose="020B0900000000000000" pitchFamily="50" charset="-128"/>
+                <a:ea typeface="HGP創英角ｺﾞｼｯｸUB" panose="020B0900000000000000" pitchFamily="50" charset="-128"/>
+              </a:rPr>
+              <a:t>中村　葵</a:t>
+            </a:r>
           </a:p>
         </p:txBody>
       </p:sp>
       <p:pic>
         <p:nvPicPr>
-          <p:cNvPr id="4" name="図 3"/>
-          <p:cNvPicPr/>
+          <p:cNvPr id="6" name="図 5">
+            <a:extLst>
+              <a:ext uri="{FF2B5EF4-FFF2-40B4-BE49-F238E27FC236}">
+                <a16:creationId xmlns:a16="http://schemas.microsoft.com/office/drawing/2014/main" id="{1DF02CDB-A5CB-4E13-90C8-B447B6CD7BD1}"/>
+              </a:ext>
+            </a:extLst>
+          </p:cNvPr>
+          <p:cNvPicPr>
+            <a:picLocks noChangeAspect="1"/>
+          </p:cNvPicPr>
           <p:nvPr/>
         </p:nvPicPr>
         <p:blipFill>
-          <a:blip r:embed="rId2">
-            <a:extLst>
-              <a:ext uri="{28A0092B-C50C-407E-A947-70E740481C1C}">
-                <a14:useLocalDpi xmlns:a14="http://schemas.microsoft.com/office/drawing/2010/main" val="0"/>
-              </a:ext>
-            </a:extLst>
-          </a:blip>
-          <a:srcRect/>
+          <a:blip r:embed="rId2"/>
           <a:stretch>
             <a:fillRect/>
           </a:stretch>
         </p:blipFill>
-        <p:spPr bwMode="auto">
-          <a:xfrm>
-            <a:off x="2805545" y="266392"/>
-            <a:ext cx="7284105" cy="3439555"/>
+        <p:spPr>
+          <a:xfrm>
+            <a:off x="2595360" y="-408121"/>
+            <a:ext cx="6355951" cy="5084761"/>
           </a:xfrm>
           <a:prstGeom prst="rect">
             <a:avLst/>
           </a:prstGeom>
-          <a:noFill/>
-          <a:ln>
-            <a:noFill/>
-          </a:ln>
         </p:spPr>
       </p:pic>
-      <p:sp>
-        <p:nvSpPr>
-          <p:cNvPr id="5" name="テキスト ボックス 4"/>
-          <p:cNvSpPr txBox="1"/>
-          <p:nvPr/>
-        </p:nvSpPr>
-        <p:spPr>
-          <a:xfrm>
-            <a:off x="1558636" y="4286847"/>
-            <a:ext cx="9164782" cy="707886"/>
-          </a:xfrm>
-          <a:prstGeom prst="rect">
-            <a:avLst/>
-          </a:prstGeom>
-          <a:noFill/>
-        </p:spPr>
-        <p:txBody>
-          <a:bodyPr wrap="square" rtlCol="0">
-            <a:spAutoFit/>
-          </a:bodyPr>
-          <a:lstStyle/>
-          <a:p>
-            <a:r>
-              <a:rPr kumimoji="1" lang="ja-JP" altLang="en-US" sz="4000" dirty="0" smtClean="0"/>
-              <a:t>チーム名　　食パン</a:t>
-            </a:r>
-            <a:endParaRPr kumimoji="1" lang="ja-JP" altLang="en-US" sz="4000" dirty="0"/>
-          </a:p>
-        </p:txBody>
-      </p:sp>
-      <p:sp>
-        <p:nvSpPr>
-          <p:cNvPr id="7" name="テキスト ボックス 6"/>
-          <p:cNvSpPr txBox="1"/>
-          <p:nvPr/>
-        </p:nvSpPr>
-        <p:spPr>
-          <a:xfrm>
-            <a:off x="1875597" y="4994733"/>
-            <a:ext cx="7372312" cy="830997"/>
-          </a:xfrm>
-          <a:prstGeom prst="rect">
-            <a:avLst/>
-          </a:prstGeom>
-          <a:noFill/>
-        </p:spPr>
-        <p:txBody>
-          <a:bodyPr wrap="square" rtlCol="0">
-            <a:spAutoFit/>
-          </a:bodyPr>
-          <a:lstStyle/>
-          <a:p>
-            <a:r>
-              <a:rPr kumimoji="1" lang="ja-JP" altLang="en-US" sz="2400" dirty="0" smtClean="0"/>
-              <a:t>メンバー</a:t>
-            </a:r>
-            <a:r>
-              <a:rPr kumimoji="1" lang="en-US" altLang="ja-JP" sz="2400" dirty="0" smtClean="0"/>
-              <a:t>		</a:t>
-            </a:r>
-            <a:r>
-              <a:rPr kumimoji="1" lang="ja-JP" altLang="en-US" sz="2400" dirty="0" smtClean="0"/>
-              <a:t>金田　光輝</a:t>
-            </a:r>
-            <a:r>
-              <a:rPr kumimoji="1" lang="en-US" altLang="ja-JP" sz="2400" dirty="0" smtClean="0"/>
-              <a:t>			</a:t>
-            </a:r>
-            <a:r>
-              <a:rPr kumimoji="1" lang="ja-JP" altLang="en-US" sz="2400" dirty="0" smtClean="0"/>
-              <a:t>井手　啓輔</a:t>
-            </a:r>
-            <a:endParaRPr kumimoji="1" lang="en-US" altLang="ja-JP" sz="2400" dirty="0" smtClean="0"/>
-          </a:p>
-          <a:p>
-            <a:r>
-              <a:rPr kumimoji="1" lang="en-US" altLang="ja-JP" sz="2400" dirty="0" smtClean="0"/>
-              <a:t>				</a:t>
-            </a:r>
-            <a:r>
-              <a:rPr kumimoji="1" lang="ja-JP" altLang="en-US" sz="2400" dirty="0" smtClean="0"/>
-              <a:t>辻　陵太</a:t>
-            </a:r>
-            <a:r>
-              <a:rPr kumimoji="1" lang="en-US" altLang="ja-JP" sz="2400" dirty="0" smtClean="0"/>
-              <a:t>				</a:t>
-            </a:r>
-            <a:r>
-              <a:rPr kumimoji="1" lang="ja-JP" altLang="en-US" sz="2400" dirty="0" smtClean="0"/>
-              <a:t>中村　葵</a:t>
-            </a:r>
-            <a:endParaRPr kumimoji="1" lang="ja-JP" altLang="en-US" sz="2400" dirty="0"/>
-          </a:p>
-        </p:txBody>
-      </p:sp>
     </p:spTree>
     <p:extLst>
       <p:ext uri="{BB962C8B-B14F-4D97-AF65-F5344CB8AC3E}">
-        <p14:creationId xmlns:p14="http://schemas.microsoft.com/office/powerpoint/2010/main" val="159245923"/>
+        <p14:creationId xmlns:p14="http://schemas.microsoft.com/office/powerpoint/2010/main" val="1598890222"/>
       </p:ext>
     </p:extLst>
   </p:cSld>
@@ -3496,8 +3528,8 @@
         </p:nvSpPr>
         <p:spPr>
           <a:xfrm>
-            <a:off x="1080655" y="706582"/>
-            <a:ext cx="6587836" cy="769441"/>
+            <a:off x="608445" y="338807"/>
+            <a:ext cx="2007755" cy="769441"/>
           </a:xfrm>
           <a:prstGeom prst="rect">
             <a:avLst/>
@@ -3511,18 +3543,15 @@
           <a:lstStyle/>
           <a:p>
             <a:r>
-              <a:rPr kumimoji="1" lang="ja-JP" altLang="en-US" sz="4400" dirty="0" smtClean="0">
+              <a:rPr kumimoji="1" lang="ja-JP" altLang="en-US" sz="4400" dirty="0">
                 <a:solidFill>
                   <a:srgbClr val="FF0000"/>
                 </a:solidFill>
-              </a:rPr>
-              <a:t>世界観（ストーリー）</a:t>
-            </a:r>
-            <a:endParaRPr kumimoji="1" lang="ja-JP" altLang="en-US" sz="4400" dirty="0">
-              <a:solidFill>
-                <a:srgbClr val="FF0000"/>
-              </a:solidFill>
-            </a:endParaRPr>
+                <a:latin typeface="UD デジタル 教科書体 NK-B" panose="02020700000000000000" pitchFamily="18" charset="-128"/>
+                <a:ea typeface="UD デジタル 教科書体 NK-B" panose="02020700000000000000" pitchFamily="18" charset="-128"/>
+              </a:rPr>
+              <a:t>世界観</a:t>
+            </a:r>
           </a:p>
         </p:txBody>
       </p:sp>
@@ -3534,8 +3563,8 @@
         </p:nvSpPr>
         <p:spPr>
           <a:xfrm>
-            <a:off x="748145" y="1476023"/>
-            <a:ext cx="9393381" cy="2554545"/>
+            <a:off x="608445" y="861458"/>
+            <a:ext cx="9393381" cy="3670236"/>
           </a:xfrm>
           <a:prstGeom prst="rect">
             <a:avLst/>
@@ -3548,86 +3577,103 @@
           </a:bodyPr>
           <a:lstStyle/>
           <a:p>
-            <a:r>
-              <a:rPr kumimoji="1" lang="ja-JP" altLang="en-US" sz="3200" dirty="0" smtClean="0"/>
-              <a:t>社会科</a:t>
-            </a:r>
-            <a:r>
-              <a:rPr kumimoji="1" lang="ja-JP" altLang="en-US" sz="3200" dirty="0"/>
-              <a:t>見学</a:t>
-            </a:r>
-            <a:r>
-              <a:rPr kumimoji="1" lang="ja-JP" altLang="en-US" sz="3200" dirty="0" smtClean="0"/>
-              <a:t>に</a:t>
-            </a:r>
-            <a:r>
-              <a:rPr kumimoji="1" lang="ja-JP" altLang="en-US" sz="3200" dirty="0"/>
-              <a:t>来</a:t>
-            </a:r>
-            <a:r>
-              <a:rPr kumimoji="1" lang="ja-JP" altLang="en-US" sz="3200" dirty="0" smtClean="0"/>
-              <a:t>ていた主人公、道に迷っているうちに研究施設の裏の顔を目撃してしまい、口封じのために</a:t>
-            </a:r>
-            <a:r>
-              <a:rPr kumimoji="1" lang="ja-JP" altLang="en-US" sz="3200" dirty="0" smtClean="0">
+            <a:pPr>
+              <a:lnSpc>
+                <a:spcPct val="150000"/>
+              </a:lnSpc>
+            </a:pPr>
+            <a:r>
+              <a:rPr kumimoji="1" lang="ja-JP" altLang="en-US" sz="3200" dirty="0">
+                <a:latin typeface="HGP創英角ｺﾞｼｯｸUB" panose="020B0900000000000000" pitchFamily="50" charset="-128"/>
+                <a:ea typeface="HGP創英角ｺﾞｼｯｸUB" panose="020B0900000000000000" pitchFamily="50" charset="-128"/>
+              </a:rPr>
+              <a:t>社会科見学に来ていた小学</a:t>
+            </a:r>
+            <a:r>
+              <a:rPr kumimoji="1" lang="en-US" altLang="ja-JP" sz="3200" dirty="0">
+                <a:latin typeface="HGP創英角ｺﾞｼｯｸUB" panose="020B0900000000000000" pitchFamily="50" charset="-128"/>
+                <a:ea typeface="HGP創英角ｺﾞｼｯｸUB" panose="020B0900000000000000" pitchFamily="50" charset="-128"/>
+              </a:rPr>
+              <a:t>4</a:t>
+            </a:r>
+            <a:r>
+              <a:rPr kumimoji="1" lang="ja-JP" altLang="en-US" sz="3200" dirty="0">
+                <a:latin typeface="HGP創英角ｺﾞｼｯｸUB" panose="020B0900000000000000" pitchFamily="50" charset="-128"/>
+                <a:ea typeface="HGP創英角ｺﾞｼｯｸUB" panose="020B0900000000000000" pitchFamily="50" charset="-128"/>
+              </a:rPr>
+              <a:t>年生の女の子。</a:t>
+            </a:r>
+            <a:endParaRPr kumimoji="1" lang="en-US" altLang="ja-JP" sz="3200" dirty="0">
+              <a:latin typeface="HGP創英角ｺﾞｼｯｸUB" panose="020B0900000000000000" pitchFamily="50" charset="-128"/>
+              <a:ea typeface="HGP創英角ｺﾞｼｯｸUB" panose="020B0900000000000000" pitchFamily="50" charset="-128"/>
+            </a:endParaRPr>
+          </a:p>
+          <a:p>
+            <a:pPr>
+              <a:lnSpc>
+                <a:spcPct val="150000"/>
+              </a:lnSpc>
+            </a:pPr>
+            <a:r>
+              <a:rPr kumimoji="1" lang="ja-JP" altLang="en-US" sz="3200" dirty="0">
+                <a:latin typeface="HGP創英角ｺﾞｼｯｸUB" panose="020B0900000000000000" pitchFamily="50" charset="-128"/>
+                <a:ea typeface="HGP創英角ｺﾞｼｯｸUB" panose="020B0900000000000000" pitchFamily="50" charset="-128"/>
+              </a:rPr>
+              <a:t>道に迷っているうちに研究施設の裏の顔を目撃してしまい、口封じのために</a:t>
+            </a:r>
+            <a:r>
+              <a:rPr kumimoji="1" lang="ja-JP" altLang="en-US" sz="3200" dirty="0">
                 <a:solidFill>
                   <a:srgbClr val="00B050"/>
                 </a:solidFill>
+                <a:latin typeface="HGP創英角ｺﾞｼｯｸUB" panose="020B0900000000000000" pitchFamily="50" charset="-128"/>
+                <a:ea typeface="HGP創英角ｺﾞｼｯｸUB" panose="020B0900000000000000" pitchFamily="50" charset="-128"/>
               </a:rPr>
               <a:t>カメレオン人間</a:t>
             </a:r>
             <a:r>
-              <a:rPr kumimoji="1" lang="ja-JP" altLang="en-US" sz="3200" dirty="0" smtClean="0"/>
+              <a:rPr kumimoji="1" lang="ja-JP" altLang="en-US" sz="3200" dirty="0">
+                <a:latin typeface="HGP創英角ｺﾞｼｯｸUB" panose="020B0900000000000000" pitchFamily="50" charset="-128"/>
+                <a:ea typeface="HGP創英角ｺﾞｼｯｸUB" panose="020B0900000000000000" pitchFamily="50" charset="-128"/>
+              </a:rPr>
               <a:t>にされてしまう。</a:t>
             </a:r>
-            <a:endParaRPr kumimoji="1" lang="en-US" altLang="ja-JP" sz="3200" dirty="0" smtClean="0"/>
-          </a:p>
-          <a:p>
-            <a:r>
-              <a:rPr kumimoji="1" lang="ja-JP" altLang="en-US" sz="3200" dirty="0"/>
-              <a:t>主人公</a:t>
-            </a:r>
-            <a:r>
-              <a:rPr kumimoji="1" lang="ja-JP" altLang="en-US" sz="3200" dirty="0" smtClean="0"/>
-              <a:t>はこの</a:t>
-            </a:r>
-            <a:r>
-              <a:rPr kumimoji="1" lang="ja-JP" altLang="en-US" sz="3200" dirty="0"/>
-              <a:t>事実</a:t>
-            </a:r>
-            <a:r>
-              <a:rPr kumimoji="1" lang="ja-JP" altLang="en-US" sz="3200" dirty="0" smtClean="0"/>
-              <a:t>を</a:t>
-            </a:r>
-            <a:r>
-              <a:rPr kumimoji="1" lang="ja-JP" altLang="en-US" sz="3200" dirty="0"/>
-              <a:t>外</a:t>
-            </a:r>
-            <a:r>
-              <a:rPr kumimoji="1" lang="ja-JP" altLang="en-US" sz="3200" dirty="0" smtClean="0"/>
-              <a:t>に</a:t>
-            </a:r>
-            <a:r>
-              <a:rPr kumimoji="1" lang="ja-JP" altLang="en-US" sz="3200" dirty="0"/>
-              <a:t>伝</a:t>
-            </a:r>
-            <a:r>
-              <a:rPr kumimoji="1" lang="ja-JP" altLang="en-US" sz="3200" dirty="0" smtClean="0"/>
-              <a:t>えるためにも、</a:t>
-            </a:r>
-            <a:r>
-              <a:rPr lang="ja-JP" altLang="ja-JP" sz="3200" dirty="0"/>
-              <a:t>人間に戻る薬を手にすべく研究所内を探索するのであった・・</a:t>
-            </a:r>
-            <a:r>
-              <a:rPr lang="ja-JP" altLang="ja-JP" sz="3200" dirty="0" smtClean="0"/>
-              <a:t>・</a:t>
-            </a:r>
-            <a:r>
-              <a:rPr lang="ja-JP" altLang="en-US" sz="3200" dirty="0" smtClean="0"/>
-              <a:t>。</a:t>
-            </a:r>
-            <a:endParaRPr lang="ja-JP" altLang="ja-JP" sz="3200" dirty="0"/>
+            <a:endParaRPr kumimoji="1" lang="en-US" altLang="ja-JP" sz="3200" dirty="0">
+              <a:latin typeface="HGP創英角ｺﾞｼｯｸUB" panose="020B0900000000000000" pitchFamily="50" charset="-128"/>
+              <a:ea typeface="HGP創英角ｺﾞｼｯｸUB" panose="020B0900000000000000" pitchFamily="50" charset="-128"/>
+            </a:endParaRPr>
+          </a:p>
+          <a:p>
+            <a:pPr>
+              <a:lnSpc>
+                <a:spcPct val="150000"/>
+              </a:lnSpc>
+            </a:pPr>
+            <a:r>
+              <a:rPr kumimoji="1" lang="ja-JP" altLang="en-US" sz="3200" dirty="0">
+                <a:latin typeface="HGP創英角ｺﾞｼｯｸUB" panose="020B0900000000000000" pitchFamily="50" charset="-128"/>
+                <a:ea typeface="HGP創英角ｺﾞｼｯｸUB" panose="020B0900000000000000" pitchFamily="50" charset="-128"/>
+              </a:rPr>
+              <a:t>女の子はこの事実を外に伝えるためにも、</a:t>
+            </a:r>
+            <a:r>
+              <a:rPr lang="ja-JP" altLang="ja-JP" sz="3200" dirty="0">
+                <a:latin typeface="HGP創英角ｺﾞｼｯｸUB" panose="020B0900000000000000" pitchFamily="50" charset="-128"/>
+                <a:ea typeface="HGP創英角ｺﾞｼｯｸUB" panose="020B0900000000000000" pitchFamily="50" charset="-128"/>
+              </a:rPr>
+              <a:t>人間に戻る薬を手にすべく研究所内を探索</a:t>
+            </a:r>
+            <a:r>
+              <a:rPr lang="ja-JP" altLang="en-US" sz="3200" dirty="0">
+                <a:latin typeface="HGP創英角ｺﾞｼｯｸUB" panose="020B0900000000000000" pitchFamily="50" charset="-128"/>
+                <a:ea typeface="HGP創英角ｺﾞｼｯｸUB" panose="020B0900000000000000" pitchFamily="50" charset="-128"/>
+              </a:rPr>
+              <a:t>します。</a:t>
+            </a:r>
+            <a:endParaRPr lang="ja-JP" altLang="ja-JP" sz="3200" dirty="0">
+              <a:latin typeface="HGP創英角ｺﾞｼｯｸUB" panose="020B0900000000000000" pitchFamily="50" charset="-128"/>
+              <a:ea typeface="HGP創英角ｺﾞｼｯｸUB" panose="020B0900000000000000" pitchFamily="50" charset="-128"/>
+            </a:endParaRPr>
           </a:p>
         </p:txBody>
       </p:sp>
@@ -3652,16 +3698,18 @@
         </p:blipFill>
         <p:spPr bwMode="auto">
           <a:xfrm>
-            <a:off x="1080655" y="4030568"/>
-            <a:ext cx="3002280" cy="2096135"/>
+            <a:off x="6096000" y="4558754"/>
+            <a:ext cx="2824784" cy="1960439"/>
           </a:xfrm>
           <a:prstGeom prst="rect">
             <a:avLst/>
           </a:prstGeom>
-          <a:noFill/>
           <a:ln>
             <a:noFill/>
           </a:ln>
+          <a:effectLst>
+            <a:softEdge rad="112500"/>
+          </a:effectLst>
         </p:spPr>
       </p:pic>
       <p:pic>
@@ -3685,16 +3733,90 @@
         </p:blipFill>
         <p:spPr bwMode="auto">
           <a:xfrm>
-            <a:off x="6426431" y="4030568"/>
-            <a:ext cx="2941320" cy="2084705"/>
+            <a:off x="9000586" y="4531694"/>
+            <a:ext cx="2941320" cy="1995805"/>
           </a:xfrm>
           <a:prstGeom prst="rect">
             <a:avLst/>
           </a:prstGeom>
-          <a:noFill/>
           <a:ln>
             <a:noFill/>
           </a:ln>
+          <a:effectLst>
+            <a:softEdge rad="112500"/>
+          </a:effectLst>
+        </p:spPr>
+      </p:pic>
+      <p:pic>
+        <p:nvPicPr>
+          <p:cNvPr id="7" name="図 6">
+            <a:extLst>
+              <a:ext uri="{FF2B5EF4-FFF2-40B4-BE49-F238E27FC236}">
+                <a16:creationId xmlns:a16="http://schemas.microsoft.com/office/drawing/2014/main" id="{C1705B78-44FC-4A54-BD1B-8ECCD0E2B210}"/>
+              </a:ext>
+            </a:extLst>
+          </p:cNvPr>
+          <p:cNvPicPr>
+            <a:picLocks noChangeAspect="1"/>
+          </p:cNvPicPr>
+          <p:nvPr/>
+        </p:nvPicPr>
+        <p:blipFill>
+          <a:blip r:embed="rId4"/>
+          <a:stretch>
+            <a:fillRect/>
+          </a:stretch>
+        </p:blipFill>
+        <p:spPr>
+          <a:xfrm>
+            <a:off x="3297763" y="4567060"/>
+            <a:ext cx="2495550" cy="1960439"/>
+          </a:xfrm>
+          <a:prstGeom prst="rect">
+            <a:avLst/>
+          </a:prstGeom>
+          <a:ln>
+            <a:noFill/>
+          </a:ln>
+          <a:effectLst>
+            <a:softEdge rad="112500"/>
+          </a:effectLst>
+        </p:spPr>
+      </p:pic>
+      <p:pic>
+        <p:nvPicPr>
+          <p:cNvPr id="8" name="図 7">
+            <a:extLst>
+              <a:ext uri="{FF2B5EF4-FFF2-40B4-BE49-F238E27FC236}">
+                <a16:creationId xmlns:a16="http://schemas.microsoft.com/office/drawing/2014/main" id="{99E3EA6B-C60F-439B-9A45-189D13148F5A}"/>
+              </a:ext>
+            </a:extLst>
+          </p:cNvPr>
+          <p:cNvPicPr>
+            <a:picLocks noChangeAspect="1"/>
+          </p:cNvPicPr>
+          <p:nvPr/>
+        </p:nvPicPr>
+        <p:blipFill>
+          <a:blip r:embed="rId5"/>
+          <a:stretch>
+            <a:fillRect/>
+          </a:stretch>
+        </p:blipFill>
+        <p:spPr>
+          <a:xfrm>
+            <a:off x="706343" y="4574726"/>
+            <a:ext cx="2387174" cy="1909739"/>
+          </a:xfrm>
+          <a:prstGeom prst="rect">
+            <a:avLst/>
+          </a:prstGeom>
+          <a:ln>
+            <a:noFill/>
+          </a:ln>
+          <a:effectLst>
+            <a:softEdge rad="112500"/>
+          </a:effectLst>
         </p:spPr>
       </p:pic>
     </p:spTree>
@@ -3735,8 +3857,8 @@
         </p:nvSpPr>
         <p:spPr>
           <a:xfrm>
-            <a:off x="561109" y="581890"/>
-            <a:ext cx="7315200" cy="769441"/>
+            <a:off x="535708" y="556490"/>
+            <a:ext cx="8823959" cy="769441"/>
           </a:xfrm>
           <a:prstGeom prst="rect">
             <a:avLst/>
@@ -3750,18 +3872,15 @@
           <a:lstStyle/>
           <a:p>
             <a:r>
-              <a:rPr kumimoji="1" lang="ja-JP" altLang="en-US" sz="4400" dirty="0" smtClean="0">
+              <a:rPr kumimoji="1" lang="ja-JP" altLang="en-US" sz="4400" dirty="0">
                 <a:solidFill>
                   <a:srgbClr val="FF0000"/>
                 </a:solidFill>
-              </a:rPr>
-              <a:t>開発環境・ターゲットユーザー</a:t>
-            </a:r>
-            <a:endParaRPr kumimoji="1" lang="ja-JP" altLang="en-US" sz="4400" dirty="0">
-              <a:solidFill>
-                <a:srgbClr val="FF0000"/>
-              </a:solidFill>
-            </a:endParaRPr>
+                <a:latin typeface="UD デジタル 教科書体 NK-B" panose="02020700000000000000" pitchFamily="18" charset="-128"/>
+                <a:ea typeface="UD デジタル 教科書体 NK-B" panose="02020700000000000000" pitchFamily="18" charset="-128"/>
+              </a:rPr>
+              <a:t>開発環境</a:t>
+            </a:r>
           </a:p>
         </p:txBody>
       </p:sp>
@@ -3773,8 +3892,8 @@
         </p:nvSpPr>
         <p:spPr>
           <a:xfrm>
-            <a:off x="845820" y="1737360"/>
-            <a:ext cx="8823960" cy="4801314"/>
+            <a:off x="836943" y="1559806"/>
+            <a:ext cx="8823960" cy="5232202"/>
           </a:xfrm>
           <a:prstGeom prst="rect">
             <a:avLst/>
@@ -3788,102 +3907,153 @@
           <a:lstStyle/>
           <a:p>
             <a:r>
-              <a:rPr lang="ja-JP" altLang="ja-JP" sz="3600" dirty="0"/>
+              <a:rPr lang="ja-JP" altLang="ja-JP" sz="2800" dirty="0">
+                <a:latin typeface="HGP創英角ｺﾞｼｯｸUB" panose="020B0900000000000000" pitchFamily="50" charset="-128"/>
+                <a:ea typeface="HGP創英角ｺﾞｼｯｸUB" panose="020B0900000000000000" pitchFamily="50" charset="-128"/>
+              </a:rPr>
+              <a:t>【プラットフォーム】</a:t>
+            </a:r>
+          </a:p>
+          <a:p>
+            <a:r>
+              <a:rPr lang="ja-JP" altLang="ja-JP" sz="2800" dirty="0">
+                <a:latin typeface="HGP創英角ｺﾞｼｯｸUB" panose="020B0900000000000000" pitchFamily="50" charset="-128"/>
+                <a:ea typeface="HGP創英角ｺﾞｼｯｸUB" panose="020B0900000000000000" pitchFamily="50" charset="-128"/>
+              </a:rPr>
+              <a:t>・</a:t>
+            </a:r>
+            <a:r>
+              <a:rPr lang="en-US" altLang="ja-JP" sz="2800" dirty="0">
+                <a:latin typeface="HGP創英角ｺﾞｼｯｸUB" panose="020B0900000000000000" pitchFamily="50" charset="-128"/>
+                <a:ea typeface="HGP創英角ｺﾞｼｯｸUB" panose="020B0900000000000000" pitchFamily="50" charset="-128"/>
+              </a:rPr>
+              <a:t>PC</a:t>
+            </a:r>
+          </a:p>
+          <a:p>
+            <a:endParaRPr lang="ja-JP" altLang="ja-JP" sz="2800" dirty="0">
+              <a:latin typeface="HGP創英角ｺﾞｼｯｸUB" panose="020B0900000000000000" pitchFamily="50" charset="-128"/>
+              <a:ea typeface="HGP創英角ｺﾞｼｯｸUB" panose="020B0900000000000000" pitchFamily="50" charset="-128"/>
+            </a:endParaRPr>
+          </a:p>
+          <a:p>
+            <a:r>
+              <a:rPr lang="ja-JP" altLang="ja-JP" sz="2800" dirty="0">
+                <a:latin typeface="HGP創英角ｺﾞｼｯｸUB" panose="020B0900000000000000" pitchFamily="50" charset="-128"/>
+                <a:ea typeface="HGP創英角ｺﾞｼｯｸUB" panose="020B0900000000000000" pitchFamily="50" charset="-128"/>
+              </a:rPr>
+              <a:t>【開発環境】</a:t>
+            </a:r>
+          </a:p>
+          <a:p>
+            <a:r>
+              <a:rPr lang="ja-JP" altLang="ja-JP" sz="2800" dirty="0">
+                <a:latin typeface="HGP創英角ｺﾞｼｯｸUB" panose="020B0900000000000000" pitchFamily="50" charset="-128"/>
+                <a:ea typeface="HGP創英角ｺﾞｼｯｸUB" panose="020B0900000000000000" pitchFamily="50" charset="-128"/>
+              </a:rPr>
+              <a:t>・</a:t>
+            </a:r>
+            <a:r>
+              <a:rPr lang="en-US" altLang="ja-JP" sz="2800" dirty="0">
+                <a:latin typeface="HGP創英角ｺﾞｼｯｸUB" panose="020B0900000000000000" pitchFamily="50" charset="-128"/>
+                <a:ea typeface="HGP創英角ｺﾞｼｯｸUB" panose="020B0900000000000000" pitchFamily="50" charset="-128"/>
+              </a:rPr>
+              <a:t>VisualStudio2015</a:t>
+            </a:r>
+          </a:p>
+          <a:p>
+            <a:endParaRPr lang="ja-JP" altLang="ja-JP" sz="2800" dirty="0">
+              <a:latin typeface="HGP創英角ｺﾞｼｯｸUB" panose="020B0900000000000000" pitchFamily="50" charset="-128"/>
+              <a:ea typeface="HGP創英角ｺﾞｼｯｸUB" panose="020B0900000000000000" pitchFamily="50" charset="-128"/>
+            </a:endParaRPr>
+          </a:p>
+          <a:p>
+            <a:r>
+              <a:rPr lang="ja-JP" altLang="ja-JP" sz="2800" dirty="0">
+                <a:latin typeface="HGP創英角ｺﾞｼｯｸUB" panose="020B0900000000000000" pitchFamily="50" charset="-128"/>
+                <a:ea typeface="HGP創英角ｺﾞｼｯｸUB" panose="020B0900000000000000" pitchFamily="50" charset="-128"/>
+              </a:rPr>
+              <a:t>【使用ライブラリ】</a:t>
+            </a:r>
+          </a:p>
+          <a:p>
+            <a:r>
+              <a:rPr lang="ja-JP" altLang="ja-JP" sz="2800" dirty="0">
+                <a:latin typeface="HGP創英角ｺﾞｼｯｸUB" panose="020B0900000000000000" pitchFamily="50" charset="-128"/>
+                <a:ea typeface="HGP創英角ｺﾞｼｯｸUB" panose="020B0900000000000000" pitchFamily="50" charset="-128"/>
+              </a:rPr>
+              <a:t>・</a:t>
+            </a:r>
+            <a:r>
+              <a:rPr lang="en-US" altLang="ja-JP" sz="2800" dirty="0" err="1">
+                <a:latin typeface="HGP創英角ｺﾞｼｯｸUB" panose="020B0900000000000000" pitchFamily="50" charset="-128"/>
+                <a:ea typeface="HGP創英角ｺﾞｼｯｸUB" panose="020B0900000000000000" pitchFamily="50" charset="-128"/>
+              </a:rPr>
+              <a:t>Dxlib</a:t>
+            </a:r>
+            <a:r>
+              <a:rPr lang="en-US" altLang="ja-JP" sz="2800" dirty="0">
+                <a:latin typeface="HGP創英角ｺﾞｼｯｸUB" panose="020B0900000000000000" pitchFamily="50" charset="-128"/>
+                <a:ea typeface="HGP創英角ｺﾞｼｯｸUB" panose="020B0900000000000000" pitchFamily="50" charset="-128"/>
+              </a:rPr>
+              <a:t>  </a:t>
+            </a:r>
+          </a:p>
+          <a:p>
+            <a:endParaRPr lang="en-US" altLang="ja-JP" sz="3600" dirty="0">
+              <a:latin typeface="HGP創英角ｺﾞｼｯｸUB" panose="020B0900000000000000" pitchFamily="50" charset="-128"/>
+              <a:ea typeface="HGP創英角ｺﾞｼｯｸUB" panose="020B0900000000000000" pitchFamily="50" charset="-128"/>
+            </a:endParaRPr>
+          </a:p>
+          <a:p>
+            <a:r>
+              <a:rPr lang="en-US" altLang="ja-JP" sz="2800" dirty="0">
+                <a:latin typeface="HGP創英角ｺﾞｼｯｸUB" panose="020B0900000000000000" pitchFamily="50" charset="-128"/>
+                <a:ea typeface="HGP創英角ｺﾞｼｯｸUB" panose="020B0900000000000000" pitchFamily="50" charset="-128"/>
+              </a:rPr>
               <a:t>【</a:t>
             </a:r>
             <a:r>
-              <a:rPr lang="ja-JP" altLang="ja-JP" sz="3600" dirty="0" smtClean="0"/>
-              <a:t>プラットフォーム】</a:t>
-            </a:r>
-          </a:p>
-          <a:p>
-            <a:r>
-              <a:rPr lang="ja-JP" altLang="ja-JP" sz="3600" dirty="0" smtClean="0"/>
-              <a:t>・</a:t>
-            </a:r>
-            <a:r>
-              <a:rPr lang="en-US" altLang="ja-JP" sz="3600" dirty="0" smtClean="0"/>
-              <a:t>PC</a:t>
-            </a:r>
-            <a:endParaRPr lang="ja-JP" altLang="ja-JP" sz="3600" dirty="0" smtClean="0"/>
-          </a:p>
-          <a:p>
-            <a:r>
-              <a:rPr lang="ja-JP" altLang="ja-JP" sz="3600" dirty="0" smtClean="0"/>
-              <a:t>【開発環境】</a:t>
-            </a:r>
-          </a:p>
-          <a:p>
-            <a:r>
-              <a:rPr lang="ja-JP" altLang="ja-JP" sz="3600" dirty="0" smtClean="0"/>
-              <a:t>・</a:t>
-            </a:r>
-            <a:r>
-              <a:rPr lang="en-US" altLang="ja-JP" sz="3600" dirty="0" smtClean="0"/>
-              <a:t>VisualStudio2015</a:t>
-            </a:r>
-            <a:endParaRPr lang="ja-JP" altLang="ja-JP" sz="3600" dirty="0" smtClean="0"/>
-          </a:p>
-          <a:p>
-            <a:r>
-              <a:rPr lang="ja-JP" altLang="ja-JP" sz="3600" dirty="0" smtClean="0"/>
-              <a:t>【使用ライブラリ】</a:t>
-            </a:r>
-          </a:p>
-          <a:p>
-            <a:r>
-              <a:rPr lang="ja-JP" altLang="ja-JP" sz="3600" dirty="0" smtClean="0"/>
-              <a:t>・</a:t>
-            </a:r>
-            <a:r>
-              <a:rPr lang="en-US" altLang="ja-JP" sz="3600" dirty="0" err="1" smtClean="0"/>
-              <a:t>Dxlib</a:t>
-            </a:r>
-            <a:r>
-              <a:rPr lang="en-US" altLang="ja-JP" sz="3600" dirty="0" smtClean="0"/>
-              <a:t>  </a:t>
-            </a:r>
-            <a:r>
-              <a:rPr lang="ja-JP" altLang="ja-JP" sz="3600" dirty="0" smtClean="0"/>
-              <a:t>・</a:t>
-            </a:r>
-            <a:r>
-              <a:rPr lang="en-US" altLang="ja-JP" sz="3600" dirty="0" err="1" smtClean="0"/>
-              <a:t>Photshop</a:t>
-            </a:r>
-            <a:r>
-              <a:rPr lang="en-US" altLang="ja-JP" sz="3600" dirty="0" smtClean="0"/>
-              <a:t>  </a:t>
-            </a:r>
-            <a:r>
-              <a:rPr lang="ja-JP" altLang="ja-JP" sz="3600" dirty="0" smtClean="0"/>
-              <a:t>・</a:t>
-            </a:r>
-            <a:r>
-              <a:rPr lang="en-US" altLang="ja-JP" sz="3600" dirty="0" smtClean="0"/>
-              <a:t>Blender</a:t>
-            </a:r>
-            <a:r>
-              <a:rPr lang="ja-JP" altLang="ja-JP" sz="3600" dirty="0" smtClean="0"/>
-              <a:t>　</a:t>
-            </a:r>
-            <a:r>
-              <a:rPr lang="en-US" altLang="ja-JP" sz="3600" dirty="0" smtClean="0"/>
-              <a:t>ver2.78c</a:t>
-            </a:r>
-            <a:endParaRPr lang="ja-JP" altLang="ja-JP" sz="3600" dirty="0" smtClean="0"/>
-          </a:p>
-          <a:p>
-            <a:r>
-              <a:rPr lang="ja-JP" altLang="ja-JP" sz="3600" dirty="0" smtClean="0"/>
-              <a:t>【ターゲットユーザー】</a:t>
-            </a:r>
-          </a:p>
-          <a:p>
-            <a:r>
-              <a:rPr lang="ja-JP" altLang="ja-JP" sz="3600" dirty="0" smtClean="0"/>
-              <a:t>・１０歳～３０歳　男女</a:t>
-            </a:r>
+              <a:rPr lang="ja-JP" altLang="en-US" sz="2800" dirty="0">
+                <a:latin typeface="HGP創英角ｺﾞｼｯｸUB" panose="020B0900000000000000" pitchFamily="50" charset="-128"/>
+                <a:ea typeface="HGP創英角ｺﾞｼｯｸUB" panose="020B0900000000000000" pitchFamily="50" charset="-128"/>
+              </a:rPr>
+              <a:t>ツール</a:t>
+            </a:r>
+            <a:r>
+              <a:rPr lang="en-US" altLang="ja-JP" sz="2800" dirty="0">
+                <a:latin typeface="HGP創英角ｺﾞｼｯｸUB" panose="020B0900000000000000" pitchFamily="50" charset="-128"/>
+                <a:ea typeface="HGP創英角ｺﾞｼｯｸUB" panose="020B0900000000000000" pitchFamily="50" charset="-128"/>
+              </a:rPr>
+              <a:t>】</a:t>
+            </a:r>
+          </a:p>
+          <a:p>
+            <a:r>
+              <a:rPr lang="en-US" altLang="ja-JP" sz="2800" dirty="0">
+                <a:latin typeface="HGP創英角ｺﾞｼｯｸUB" panose="020B0900000000000000" pitchFamily="50" charset="-128"/>
+                <a:ea typeface="HGP創英角ｺﾞｼｯｸUB" panose="020B0900000000000000" pitchFamily="50" charset="-128"/>
+              </a:rPr>
+              <a:t>Photoshop,</a:t>
+            </a:r>
+            <a:r>
+              <a:rPr lang="ja-JP" altLang="en-US" sz="2800" dirty="0">
+                <a:latin typeface="HGP創英角ｺﾞｼｯｸUB" panose="020B0900000000000000" pitchFamily="50" charset="-128"/>
+                <a:ea typeface="HGP創英角ｺﾞｼｯｸUB" panose="020B0900000000000000" pitchFamily="50" charset="-128"/>
+              </a:rPr>
+              <a:t> </a:t>
+            </a:r>
+            <a:r>
+              <a:rPr lang="en-US" altLang="ja-JP" sz="2800" dirty="0">
+                <a:latin typeface="HGP創英角ｺﾞｼｯｸUB" panose="020B0900000000000000" pitchFamily="50" charset="-128"/>
+                <a:ea typeface="HGP創英角ｺﾞｼｯｸUB" panose="020B0900000000000000" pitchFamily="50" charset="-128"/>
+              </a:rPr>
+              <a:t>blender</a:t>
+            </a:r>
+            <a:endParaRPr lang="ja-JP" altLang="ja-JP" sz="2800" dirty="0">
+              <a:latin typeface="HGP創英角ｺﾞｼｯｸUB" panose="020B0900000000000000" pitchFamily="50" charset="-128"/>
+              <a:ea typeface="HGP創英角ｺﾞｼｯｸUB" panose="020B0900000000000000" pitchFamily="50" charset="-128"/>
+            </a:endParaRPr>
           </a:p>
           <a:p>
             <a:endParaRPr kumimoji="1" lang="ja-JP" altLang="en-US" dirty="0"/>
@@ -3893,7 +4063,7 @@
     </p:spTree>
     <p:extLst>
       <p:ext uri="{BB962C8B-B14F-4D97-AF65-F5344CB8AC3E}">
-        <p14:creationId xmlns:p14="http://schemas.microsoft.com/office/powerpoint/2010/main" val="1540824664"/>
+        <p14:creationId xmlns:p14="http://schemas.microsoft.com/office/powerpoint/2010/main" val="388455721"/>
       </p:ext>
     </p:extLst>
   </p:cSld>
@@ -3928,8 +4098,8 @@
         </p:nvSpPr>
         <p:spPr>
           <a:xfrm>
-            <a:off x="434340" y="388620"/>
-            <a:ext cx="7635240" cy="769441"/>
+            <a:off x="397602" y="355600"/>
+            <a:ext cx="3456033" cy="769441"/>
           </a:xfrm>
           <a:prstGeom prst="rect">
             <a:avLst/>
@@ -3943,31 +4113,70 @@
           <a:lstStyle/>
           <a:p>
             <a:r>
-              <a:rPr kumimoji="1" lang="ja-JP" altLang="en-US" sz="4400" dirty="0" smtClean="0">
+              <a:rPr kumimoji="1" lang="ja-JP" altLang="en-US" sz="4400" dirty="0">
                 <a:solidFill>
                   <a:srgbClr val="FF0000"/>
                 </a:solidFill>
-              </a:rPr>
-              <a:t>セールスポイント</a:t>
-            </a:r>
-            <a:endParaRPr kumimoji="1" lang="ja-JP" altLang="en-US" sz="4400" dirty="0">
-              <a:solidFill>
-                <a:srgbClr val="FF0000"/>
-              </a:solidFill>
-            </a:endParaRPr>
-          </a:p>
-        </p:txBody>
-      </p:sp>
-      <p:sp>
-        <p:nvSpPr>
-          <p:cNvPr id="3" name="テキスト ボックス 2"/>
+                <a:latin typeface="UD デジタル 教科書体 NK-B" panose="02020700000000000000" pitchFamily="18" charset="-128"/>
+                <a:ea typeface="UD デジタル 教科書体 NK-B" panose="02020700000000000000" pitchFamily="18" charset="-128"/>
+              </a:rPr>
+              <a:t>ゲームの説明</a:t>
+            </a:r>
+          </a:p>
+        </p:txBody>
+      </p:sp>
+      <p:pic>
+        <p:nvPicPr>
+          <p:cNvPr id="8" name="図 7">
+            <a:extLst>
+              <a:ext uri="{FF2B5EF4-FFF2-40B4-BE49-F238E27FC236}">
+                <a16:creationId xmlns:a16="http://schemas.microsoft.com/office/drawing/2014/main" id="{E308E975-2DC5-4065-810A-6CC370E2B80B}"/>
+              </a:ext>
+            </a:extLst>
+          </p:cNvPr>
+          <p:cNvPicPr>
+            <a:picLocks noChangeAspect="1"/>
+          </p:cNvPicPr>
+          <p:nvPr/>
+        </p:nvPicPr>
+        <p:blipFill>
+          <a:blip r:embed="rId2"/>
+          <a:stretch>
+            <a:fillRect/>
+          </a:stretch>
+        </p:blipFill>
+        <p:spPr>
+          <a:xfrm>
+            <a:off x="397602" y="5212513"/>
+            <a:ext cx="1393077" cy="1289887"/>
+          </a:xfrm>
+          <a:prstGeom prst="rect">
+            <a:avLst/>
+          </a:prstGeom>
+          <a:ln>
+            <a:noFill/>
+          </a:ln>
+          <a:effectLst>
+            <a:softEdge rad="112500"/>
+          </a:effectLst>
+        </p:spPr>
+      </p:pic>
+      <p:sp>
+        <p:nvSpPr>
+          <p:cNvPr id="20" name="テキスト ボックス 19">
+            <a:extLst>
+              <a:ext uri="{FF2B5EF4-FFF2-40B4-BE49-F238E27FC236}">
+                <a16:creationId xmlns:a16="http://schemas.microsoft.com/office/drawing/2014/main" id="{B53077F5-2E57-4C34-AAF8-9ADAF035C5C7}"/>
+              </a:ext>
+            </a:extLst>
+          </p:cNvPr>
           <p:cNvSpPr txBox="1"/>
           <p:nvPr/>
         </p:nvSpPr>
         <p:spPr>
           <a:xfrm>
-            <a:off x="434340" y="1158061"/>
-            <a:ext cx="10835640" cy="4801314"/>
+            <a:off x="245202" y="849155"/>
+            <a:ext cx="10858500" cy="4524315"/>
           </a:xfrm>
           <a:prstGeom prst="rect">
             <a:avLst/>
@@ -3980,140 +4189,248 @@
           </a:bodyPr>
           <a:lstStyle/>
           <a:p>
-            <a:r>
-              <a:rPr lang="ja-JP" altLang="ja-JP" sz="3600" dirty="0"/>
-              <a:t>・</a:t>
-            </a:r>
-            <a:r>
-              <a:rPr lang="ja-JP" altLang="ja-JP" sz="3600" u="sng" dirty="0">
-                <a:solidFill>
-                  <a:srgbClr val="00B050"/>
-                </a:solidFill>
-              </a:rPr>
-              <a:t>カメレオン</a:t>
-            </a:r>
-            <a:r>
-              <a:rPr lang="ja-JP" altLang="ja-JP" sz="3600" dirty="0"/>
-              <a:t>ならではの舌を使ったロープアクション</a:t>
-            </a:r>
-          </a:p>
-          <a:p>
-            <a:r>
-              <a:rPr lang="ja-JP" altLang="ja-JP" sz="3600" dirty="0"/>
-              <a:t>・姿を消して敵から隠れるステルスアクション</a:t>
-            </a:r>
-          </a:p>
-          <a:p>
-            <a:r>
-              <a:rPr lang="ja-JP" altLang="ja-JP" sz="3600" dirty="0"/>
-              <a:t>・特定のアイテムを取得するとトランス状態になり</a:t>
-            </a:r>
-            <a:r>
-              <a:rPr lang="ja-JP" altLang="ja-JP" sz="3600" dirty="0" smtClean="0"/>
-              <a:t>、</a:t>
-            </a:r>
-            <a:endParaRPr lang="en-US" altLang="ja-JP" sz="3600" dirty="0" smtClean="0"/>
-          </a:p>
-          <a:p>
-            <a:r>
-              <a:rPr lang="ja-JP" altLang="ja-JP" sz="3600" dirty="0" smtClean="0"/>
-              <a:t>一定</a:t>
-            </a:r>
-            <a:r>
-              <a:rPr lang="ja-JP" altLang="ja-JP" sz="3600" dirty="0"/>
-              <a:t>時間ステルス状態が</a:t>
-            </a:r>
-            <a:r>
-              <a:rPr lang="ja-JP" altLang="ja-JP" sz="3600" dirty="0" smtClean="0"/>
-              <a:t>続きます。</a:t>
-            </a:r>
-            <a:endParaRPr lang="en-US" altLang="ja-JP" sz="3600" dirty="0" smtClean="0"/>
-          </a:p>
-          <a:p>
-            <a:r>
-              <a:rPr lang="ja-JP" altLang="en-US" sz="3600" dirty="0" smtClean="0"/>
-              <a:t>→</a:t>
-            </a:r>
-            <a:r>
-              <a:rPr lang="ja-JP" altLang="ja-JP" sz="3600" u="sng" dirty="0">
-                <a:solidFill>
-                  <a:srgbClr val="FF0000"/>
-                </a:solidFill>
-              </a:rPr>
-              <a:t>新感覚のアクションゲームです。</a:t>
-            </a:r>
-            <a:endParaRPr lang="ja-JP" altLang="ja-JP" sz="3600" dirty="0">
-              <a:solidFill>
-                <a:srgbClr val="FF0000"/>
-              </a:solidFill>
+            <a:pPr>
+              <a:lnSpc>
+                <a:spcPct val="150000"/>
+              </a:lnSpc>
+            </a:pPr>
+            <a:r>
+              <a:rPr kumimoji="1" lang="ja-JP" altLang="en-US" sz="3200" dirty="0">
+                <a:latin typeface="HGP創英角ｺﾞｼｯｸUB" panose="020B0900000000000000" pitchFamily="50" charset="-128"/>
+                <a:ea typeface="HGP創英角ｺﾞｼｯｸUB" panose="020B0900000000000000" pitchFamily="50" charset="-128"/>
+              </a:rPr>
+              <a:t>・このゲームは人間に戻れる薬をステージ内で入手して脱出す </a:t>
+            </a:r>
+            <a:endParaRPr kumimoji="1" lang="en-US" altLang="ja-JP" sz="3200" dirty="0">
+              <a:latin typeface="HGP創英角ｺﾞｼｯｸUB" panose="020B0900000000000000" pitchFamily="50" charset="-128"/>
+              <a:ea typeface="HGP創英角ｺﾞｼｯｸUB" panose="020B0900000000000000" pitchFamily="50" charset="-128"/>
             </a:endParaRPr>
           </a:p>
           <a:p>
-            <a:r>
-              <a:rPr lang="ja-JP" altLang="ja-JP" sz="3600" dirty="0"/>
-              <a:t>・ステージは３種類から選べて初級、中級、</a:t>
-            </a:r>
-            <a:r>
-              <a:rPr lang="ja-JP" altLang="ja-JP" sz="3600" dirty="0" smtClean="0"/>
-              <a:t>上級</a:t>
-            </a:r>
-            <a:endParaRPr lang="en-US" altLang="ja-JP" sz="3600" dirty="0" smtClean="0"/>
-          </a:p>
-          <a:p>
-            <a:r>
-              <a:rPr lang="ja-JP" altLang="ja-JP" sz="3600" dirty="0" smtClean="0"/>
-              <a:t>が</a:t>
-            </a:r>
-            <a:r>
-              <a:rPr lang="ja-JP" altLang="ja-JP" sz="3600" dirty="0"/>
-              <a:t>あります。</a:t>
-            </a:r>
-          </a:p>
-          <a:p>
-            <a:endParaRPr lang="ja-JP" altLang="ja-JP" sz="3600" dirty="0"/>
-          </a:p>
-          <a:p>
-            <a:endParaRPr kumimoji="1" lang="ja-JP" altLang="en-US" dirty="0"/>
+            <a:pPr>
+              <a:lnSpc>
+                <a:spcPct val="150000"/>
+              </a:lnSpc>
+            </a:pPr>
+            <a:r>
+              <a:rPr kumimoji="1" lang="en-US" altLang="ja-JP" sz="3200" dirty="0">
+                <a:latin typeface="HGP創英角ｺﾞｼｯｸUB" panose="020B0900000000000000" pitchFamily="50" charset="-128"/>
+                <a:ea typeface="HGP創英角ｺﾞｼｯｸUB" panose="020B0900000000000000" pitchFamily="50" charset="-128"/>
+              </a:rPr>
+              <a:t> </a:t>
+            </a:r>
+            <a:r>
+              <a:rPr kumimoji="1" lang="ja-JP" altLang="en-US" sz="3200" dirty="0">
+                <a:latin typeface="HGP創英角ｺﾞｼｯｸUB" panose="020B0900000000000000" pitchFamily="50" charset="-128"/>
+                <a:ea typeface="HGP創英角ｺﾞｼｯｸUB" panose="020B0900000000000000" pitchFamily="50" charset="-128"/>
+              </a:rPr>
+              <a:t>るゲームです。</a:t>
+            </a:r>
+            <a:endParaRPr kumimoji="1" lang="en-US" altLang="ja-JP" sz="3200" dirty="0">
+              <a:latin typeface="HGP創英角ｺﾞｼｯｸUB" panose="020B0900000000000000" pitchFamily="50" charset="-128"/>
+              <a:ea typeface="HGP創英角ｺﾞｼｯｸUB" panose="020B0900000000000000" pitchFamily="50" charset="-128"/>
+            </a:endParaRPr>
+          </a:p>
+          <a:p>
+            <a:pPr>
+              <a:lnSpc>
+                <a:spcPct val="150000"/>
+              </a:lnSpc>
+            </a:pPr>
+            <a:r>
+              <a:rPr kumimoji="1" lang="ja-JP" altLang="en-US" sz="3200" dirty="0">
+                <a:latin typeface="HGP創英角ｺﾞｼｯｸUB" panose="020B0900000000000000" pitchFamily="50" charset="-128"/>
+                <a:ea typeface="HGP創英角ｺﾞｼｯｸUB" panose="020B0900000000000000" pitchFamily="50" charset="-128"/>
+              </a:rPr>
+              <a:t>・薬を入手するためにはステージ中にある金庫を鍵を使って開け</a:t>
+            </a:r>
+            <a:endParaRPr kumimoji="1" lang="en-US" altLang="ja-JP" sz="3200" dirty="0">
+              <a:latin typeface="HGP創英角ｺﾞｼｯｸUB" panose="020B0900000000000000" pitchFamily="50" charset="-128"/>
+              <a:ea typeface="HGP創英角ｺﾞｼｯｸUB" panose="020B0900000000000000" pitchFamily="50" charset="-128"/>
+            </a:endParaRPr>
+          </a:p>
+          <a:p>
+            <a:pPr>
+              <a:lnSpc>
+                <a:spcPct val="150000"/>
+              </a:lnSpc>
+            </a:pPr>
+            <a:r>
+              <a:rPr kumimoji="1" lang="en-US" altLang="ja-JP" sz="3200" dirty="0">
+                <a:latin typeface="HGP創英角ｺﾞｼｯｸUB" panose="020B0900000000000000" pitchFamily="50" charset="-128"/>
+                <a:ea typeface="HGP創英角ｺﾞｼｯｸUB" panose="020B0900000000000000" pitchFamily="50" charset="-128"/>
+              </a:rPr>
+              <a:t> </a:t>
+            </a:r>
+            <a:r>
+              <a:rPr kumimoji="1" lang="ja-JP" altLang="en-US" sz="3200" dirty="0">
+                <a:latin typeface="HGP創英角ｺﾞｼｯｸUB" panose="020B0900000000000000" pitchFamily="50" charset="-128"/>
+                <a:ea typeface="HGP創英角ｺﾞｼｯｸUB" panose="020B0900000000000000" pitchFamily="50" charset="-128"/>
+              </a:rPr>
+              <a:t>る必要があります。</a:t>
+            </a:r>
+            <a:endParaRPr kumimoji="1" lang="en-US" altLang="ja-JP" sz="3200" dirty="0">
+              <a:latin typeface="HGP創英角ｺﾞｼｯｸUB" panose="020B0900000000000000" pitchFamily="50" charset="-128"/>
+              <a:ea typeface="HGP創英角ｺﾞｼｯｸUB" panose="020B0900000000000000" pitchFamily="50" charset="-128"/>
+            </a:endParaRPr>
+          </a:p>
+          <a:p>
+            <a:pPr>
+              <a:lnSpc>
+                <a:spcPct val="150000"/>
+              </a:lnSpc>
+            </a:pPr>
+            <a:r>
+              <a:rPr kumimoji="1" lang="ja-JP" altLang="en-US" sz="3200" dirty="0">
+                <a:latin typeface="HGP創英角ｺﾞｼｯｸUB" panose="020B0900000000000000" pitchFamily="50" charset="-128"/>
+                <a:ea typeface="HGP創英角ｺﾞｼｯｸUB" panose="020B0900000000000000" pitchFamily="50" charset="-128"/>
+              </a:rPr>
+              <a:t>・プレイヤーは舌を使ったロープアクションと、カメレオンの特性を</a:t>
+            </a:r>
+            <a:endParaRPr kumimoji="1" lang="en-US" altLang="ja-JP" sz="3200" dirty="0">
+              <a:latin typeface="HGP創英角ｺﾞｼｯｸUB" panose="020B0900000000000000" pitchFamily="50" charset="-128"/>
+              <a:ea typeface="HGP創英角ｺﾞｼｯｸUB" panose="020B0900000000000000" pitchFamily="50" charset="-128"/>
+            </a:endParaRPr>
+          </a:p>
+          <a:p>
+            <a:pPr>
+              <a:lnSpc>
+                <a:spcPct val="150000"/>
+              </a:lnSpc>
+            </a:pPr>
+            <a:r>
+              <a:rPr kumimoji="1" lang="en-US" altLang="ja-JP" sz="3200" dirty="0">
+                <a:latin typeface="HGP創英角ｺﾞｼｯｸUB" panose="020B0900000000000000" pitchFamily="50" charset="-128"/>
+                <a:ea typeface="HGP創英角ｺﾞｼｯｸUB" panose="020B0900000000000000" pitchFamily="50" charset="-128"/>
+              </a:rPr>
+              <a:t> </a:t>
+            </a:r>
+            <a:r>
+              <a:rPr kumimoji="1" lang="ja-JP" altLang="en-US" sz="3200" dirty="0">
+                <a:latin typeface="HGP創英角ｺﾞｼｯｸUB" panose="020B0900000000000000" pitchFamily="50" charset="-128"/>
+                <a:ea typeface="HGP創英角ｺﾞｼｯｸUB" panose="020B0900000000000000" pitchFamily="50" charset="-128"/>
+              </a:rPr>
+              <a:t>活かしたステルスアクションを行うことができます。</a:t>
+            </a:r>
+            <a:endParaRPr kumimoji="1" lang="en-US" altLang="ja-JP" sz="3200" dirty="0">
+              <a:latin typeface="HGP創英角ｺﾞｼｯｸUB" panose="020B0900000000000000" pitchFamily="50" charset="-128"/>
+              <a:ea typeface="HGP創英角ｺﾞｼｯｸUB" panose="020B0900000000000000" pitchFamily="50" charset="-128"/>
+            </a:endParaRPr>
           </a:p>
         </p:txBody>
       </p:sp>
       <p:pic>
         <p:nvPicPr>
-          <p:cNvPr id="4" name="図 3"/>
-          <p:cNvPicPr/>
+          <p:cNvPr id="21" name="図 20">
+            <a:extLst>
+              <a:ext uri="{FF2B5EF4-FFF2-40B4-BE49-F238E27FC236}">
+                <a16:creationId xmlns:a16="http://schemas.microsoft.com/office/drawing/2014/main" id="{DCDDEBD1-DB2B-4809-9121-90C9BD2679B3}"/>
+              </a:ext>
+            </a:extLst>
+          </p:cNvPr>
+          <p:cNvPicPr>
+            <a:picLocks noChangeAspect="1"/>
+          </p:cNvPicPr>
           <p:nvPr/>
         </p:nvPicPr>
         <p:blipFill>
-          <a:blip r:embed="rId2">
-            <a:extLst>
-              <a:ext uri="{28A0092B-C50C-407E-A947-70E740481C1C}">
-                <a14:useLocalDpi xmlns:a14="http://schemas.microsoft.com/office/drawing/2010/main" val="0"/>
-              </a:ext>
-            </a:extLst>
-          </a:blip>
-          <a:srcRect/>
+          <a:blip r:embed="rId3"/>
           <a:stretch>
             <a:fillRect/>
           </a:stretch>
         </p:blipFill>
-        <p:spPr bwMode="auto">
-          <a:xfrm>
-            <a:off x="4617720" y="4602836"/>
-            <a:ext cx="5143500" cy="2125980"/>
+        <p:spPr>
+          <a:xfrm>
+            <a:off x="6495243" y="5151447"/>
+            <a:ext cx="1953415" cy="1463072"/>
           </a:xfrm>
           <a:prstGeom prst="rect">
             <a:avLst/>
           </a:prstGeom>
-          <a:noFill/>
           <a:ln>
             <a:noFill/>
           </a:ln>
+          <a:effectLst>
+            <a:softEdge rad="112500"/>
+          </a:effectLst>
+        </p:spPr>
+      </p:pic>
+      <p:pic>
+        <p:nvPicPr>
+          <p:cNvPr id="23" name="図 22">
+            <a:extLst>
+              <a:ext uri="{FF2B5EF4-FFF2-40B4-BE49-F238E27FC236}">
+                <a16:creationId xmlns:a16="http://schemas.microsoft.com/office/drawing/2014/main" id="{22AC232F-39A6-4B15-9F8D-3ADBA66F4BA7}"/>
+              </a:ext>
+            </a:extLst>
+          </p:cNvPr>
+          <p:cNvPicPr>
+            <a:picLocks noChangeAspect="1"/>
+          </p:cNvPicPr>
+          <p:nvPr/>
+        </p:nvPicPr>
+        <p:blipFill>
+          <a:blip r:embed="rId4"/>
+          <a:stretch>
+            <a:fillRect/>
+          </a:stretch>
+        </p:blipFill>
+        <p:spPr>
+          <a:xfrm>
+            <a:off x="2151833" y="5212513"/>
+            <a:ext cx="1193446" cy="1289887"/>
+          </a:xfrm>
+          <a:prstGeom prst="rect">
+            <a:avLst/>
+          </a:prstGeom>
+          <a:ln>
+            <a:noFill/>
+          </a:ln>
+          <a:effectLst>
+            <a:softEdge rad="112500"/>
+          </a:effectLst>
+        </p:spPr>
+      </p:pic>
+      <p:pic>
+        <p:nvPicPr>
+          <p:cNvPr id="27" name="図 26">
+            <a:extLst>
+              <a:ext uri="{FF2B5EF4-FFF2-40B4-BE49-F238E27FC236}">
+                <a16:creationId xmlns:a16="http://schemas.microsoft.com/office/drawing/2014/main" id="{065DA4DC-AC64-4DAA-800C-423EFA71F04B}"/>
+              </a:ext>
+            </a:extLst>
+          </p:cNvPr>
+          <p:cNvPicPr>
+            <a:picLocks noChangeAspect="1"/>
+          </p:cNvPicPr>
+          <p:nvPr/>
+        </p:nvPicPr>
+        <p:blipFill>
+          <a:blip r:embed="rId5"/>
+          <a:stretch>
+            <a:fillRect/>
+          </a:stretch>
+        </p:blipFill>
+        <p:spPr>
+          <a:xfrm>
+            <a:off x="9026551" y="4543007"/>
+            <a:ext cx="1537369" cy="1959393"/>
+          </a:xfrm>
+          <a:prstGeom prst="rect">
+            <a:avLst/>
+          </a:prstGeom>
+          <a:ln>
+            <a:noFill/>
+          </a:ln>
+          <a:effectLst>
+            <a:softEdge rad="112500"/>
+          </a:effectLst>
         </p:spPr>
       </p:pic>
     </p:spTree>
     <p:extLst>
       <p:ext uri="{BB962C8B-B14F-4D97-AF65-F5344CB8AC3E}">
-        <p14:creationId xmlns:p14="http://schemas.microsoft.com/office/powerpoint/2010/main" val="2019442705"/>
+        <p14:creationId xmlns:p14="http://schemas.microsoft.com/office/powerpoint/2010/main" val="385133428"/>
       </p:ext>
     </p:extLst>
   </p:cSld>
@@ -4142,14 +4459,20 @@
       </p:grpSpPr>
       <p:sp>
         <p:nvSpPr>
-          <p:cNvPr id="2" name="テキスト ボックス 1"/>
+          <p:cNvPr id="2" name="テキスト ボックス 1">
+            <a:extLst>
+              <a:ext uri="{FF2B5EF4-FFF2-40B4-BE49-F238E27FC236}">
+                <a16:creationId xmlns:a16="http://schemas.microsoft.com/office/drawing/2014/main" id="{A25448DB-94B6-4943-8B6D-E664614033C7}"/>
+              </a:ext>
+            </a:extLst>
+          </p:cNvPr>
           <p:cNvSpPr txBox="1"/>
           <p:nvPr/>
         </p:nvSpPr>
         <p:spPr>
           <a:xfrm>
-            <a:off x="617220" y="525780"/>
-            <a:ext cx="6858000" cy="769441"/>
+            <a:off x="292100" y="280238"/>
+            <a:ext cx="4569692" cy="769441"/>
           </a:xfrm>
           <a:prstGeom prst="rect">
             <a:avLst/>
@@ -4163,63 +4486,1430 @@
           <a:lstStyle/>
           <a:p>
             <a:r>
-              <a:rPr kumimoji="1" lang="ja-JP" altLang="en-US" sz="4400" dirty="0" smtClean="0">
+              <a:rPr kumimoji="1" lang="ja-JP" altLang="en-US" sz="4400" dirty="0">
                 <a:solidFill>
                   <a:srgbClr val="FF0000"/>
                 </a:solidFill>
-              </a:rPr>
-              <a:t>ゲームの流れ</a:t>
-            </a:r>
-            <a:endParaRPr kumimoji="1" lang="ja-JP" altLang="en-US" sz="4400" dirty="0">
-              <a:solidFill>
-                <a:srgbClr val="FF0000"/>
-              </a:solidFill>
-            </a:endParaRPr>
-          </a:p>
-        </p:txBody>
-      </p:sp>
-      <p:sp>
-        <p:nvSpPr>
-          <p:cNvPr id="3" name="角丸四角形 2"/>
-          <p:cNvSpPr/>
+                <a:latin typeface="UD デジタル 教科書体 NK-B" panose="02020700000000000000" pitchFamily="18" charset="-128"/>
+                <a:ea typeface="UD デジタル 教科書体 NK-B" panose="02020700000000000000" pitchFamily="18" charset="-128"/>
+              </a:rPr>
+              <a:t>プレイヤーの動き</a:t>
+            </a:r>
+          </a:p>
+        </p:txBody>
+      </p:sp>
+      <p:sp>
+        <p:nvSpPr>
+          <p:cNvPr id="3" name="テキスト ボックス 2">
+            <a:extLst>
+              <a:ext uri="{FF2B5EF4-FFF2-40B4-BE49-F238E27FC236}">
+                <a16:creationId xmlns:a16="http://schemas.microsoft.com/office/drawing/2014/main" id="{E20EA4CA-16A1-4E86-A081-0D4C21931C9A}"/>
+              </a:ext>
+            </a:extLst>
+          </p:cNvPr>
+          <p:cNvSpPr txBox="1"/>
           <p:nvPr/>
         </p:nvSpPr>
         <p:spPr>
           <a:xfrm>
-            <a:off x="2903220" y="1600200"/>
-            <a:ext cx="5806440" cy="1188720"/>
-          </a:xfrm>
-          <a:prstGeom prst="roundRect">
+            <a:off x="292100" y="909979"/>
+            <a:ext cx="11049000" cy="5909310"/>
+          </a:xfrm>
+          <a:prstGeom prst="rect">
             <a:avLst/>
           </a:prstGeom>
-        </p:spPr>
-        <p:style>
-          <a:lnRef idx="2">
-            <a:schemeClr val="accent6"/>
-          </a:lnRef>
-          <a:fillRef idx="1">
-            <a:schemeClr val="lt1"/>
-          </a:fillRef>
-          <a:effectRef idx="0">
-            <a:schemeClr val="accent6"/>
-          </a:effectRef>
-          <a:fontRef idx="minor">
-            <a:schemeClr val="dk1"/>
-          </a:fontRef>
-        </p:style>
-        <p:txBody>
-          <a:bodyPr rtlCol="0" anchor="ctr"/>
-          <a:lstStyle/>
-          <a:p>
-            <a:pPr algn="ctr"/>
-            <a:endParaRPr kumimoji="1" lang="ja-JP" altLang="en-US"/>
-          </a:p>
-        </p:txBody>
-      </p:sp>
+          <a:noFill/>
+        </p:spPr>
+        <p:txBody>
+          <a:bodyPr wrap="square" rtlCol="0">
+            <a:spAutoFit/>
+          </a:bodyPr>
+          <a:lstStyle/>
+          <a:p>
+            <a:pPr>
+              <a:lnSpc>
+                <a:spcPct val="150000"/>
+              </a:lnSpc>
+            </a:pPr>
+            <a:r>
+              <a:rPr kumimoji="1" lang="en-US" altLang="ja-JP" sz="2800" dirty="0">
+                <a:latin typeface="HGP創英角ｺﾞｼｯｸUB" panose="020B0900000000000000" pitchFamily="50" charset="-128"/>
+                <a:ea typeface="HGP創英角ｺﾞｼｯｸUB" panose="020B0900000000000000" pitchFamily="50" charset="-128"/>
+              </a:rPr>
+              <a:t>【</a:t>
+            </a:r>
+            <a:r>
+              <a:rPr kumimoji="1" lang="ja-JP" altLang="en-US" sz="2800" dirty="0">
+                <a:latin typeface="HGP創英角ｺﾞｼｯｸUB" panose="020B0900000000000000" pitchFamily="50" charset="-128"/>
+                <a:ea typeface="HGP創英角ｺﾞｼｯｸUB" panose="020B0900000000000000" pitchFamily="50" charset="-128"/>
+              </a:rPr>
+              <a:t>ロープアクション</a:t>
+            </a:r>
+            <a:r>
+              <a:rPr kumimoji="1" lang="en-US" altLang="ja-JP" sz="2800" dirty="0">
+                <a:latin typeface="HGP創英角ｺﾞｼｯｸUB" panose="020B0900000000000000" pitchFamily="50" charset="-128"/>
+                <a:ea typeface="HGP創英角ｺﾞｼｯｸUB" panose="020B0900000000000000" pitchFamily="50" charset="-128"/>
+              </a:rPr>
+              <a:t>】</a:t>
+            </a:r>
+          </a:p>
+          <a:p>
+            <a:pPr>
+              <a:lnSpc>
+                <a:spcPct val="150000"/>
+              </a:lnSpc>
+            </a:pPr>
+            <a:r>
+              <a:rPr kumimoji="1" lang="ja-JP" altLang="en-US" sz="2800" dirty="0">
+                <a:latin typeface="HGP創英角ｺﾞｼｯｸUB" panose="020B0900000000000000" pitchFamily="50" charset="-128"/>
+                <a:ea typeface="HGP創英角ｺﾞｼｯｸUB" panose="020B0900000000000000" pitchFamily="50" charset="-128"/>
+              </a:rPr>
+              <a:t>　・舌を使ったアクションで、ものを引き寄せることができます。</a:t>
+            </a:r>
+            <a:endParaRPr kumimoji="1" lang="en-US" altLang="ja-JP" sz="2800" dirty="0">
+              <a:latin typeface="HGP創英角ｺﾞｼｯｸUB" panose="020B0900000000000000" pitchFamily="50" charset="-128"/>
+              <a:ea typeface="HGP創英角ｺﾞｼｯｸUB" panose="020B0900000000000000" pitchFamily="50" charset="-128"/>
+            </a:endParaRPr>
+          </a:p>
+          <a:p>
+            <a:pPr>
+              <a:lnSpc>
+                <a:spcPct val="150000"/>
+              </a:lnSpc>
+            </a:pPr>
+            <a:r>
+              <a:rPr kumimoji="1" lang="ja-JP" altLang="en-US" sz="2800" dirty="0">
+                <a:latin typeface="HGP創英角ｺﾞｼｯｸUB" panose="020B0900000000000000" pitchFamily="50" charset="-128"/>
+                <a:ea typeface="HGP創英角ｺﾞｼｯｸUB" panose="020B0900000000000000" pitchFamily="50" charset="-128"/>
+              </a:rPr>
+              <a:t>　・舌はキーの入力によって上、中、下の三方向に向きを変えることができ</a:t>
+            </a:r>
+            <a:endParaRPr kumimoji="1" lang="en-US" altLang="ja-JP" sz="2800" dirty="0">
+              <a:latin typeface="HGP創英角ｺﾞｼｯｸUB" panose="020B0900000000000000" pitchFamily="50" charset="-128"/>
+              <a:ea typeface="HGP創英角ｺﾞｼｯｸUB" panose="020B0900000000000000" pitchFamily="50" charset="-128"/>
+            </a:endParaRPr>
+          </a:p>
+          <a:p>
+            <a:pPr>
+              <a:lnSpc>
+                <a:spcPct val="150000"/>
+              </a:lnSpc>
+            </a:pPr>
+            <a:r>
+              <a:rPr kumimoji="1" lang="ja-JP" altLang="en-US" sz="2800" dirty="0">
+                <a:latin typeface="HGP創英角ｺﾞｼｯｸUB" panose="020B0900000000000000" pitchFamily="50" charset="-128"/>
+                <a:ea typeface="HGP創英角ｺﾞｼｯｸUB" panose="020B0900000000000000" pitchFamily="50" charset="-128"/>
+              </a:rPr>
+              <a:t>　　ます。</a:t>
+            </a:r>
+            <a:endParaRPr kumimoji="1" lang="en-US" altLang="ja-JP" sz="2800" dirty="0">
+              <a:latin typeface="HGP創英角ｺﾞｼｯｸUB" panose="020B0900000000000000" pitchFamily="50" charset="-128"/>
+              <a:ea typeface="HGP創英角ｺﾞｼｯｸUB" panose="020B0900000000000000" pitchFamily="50" charset="-128"/>
+            </a:endParaRPr>
+          </a:p>
+          <a:p>
+            <a:pPr>
+              <a:lnSpc>
+                <a:spcPct val="150000"/>
+              </a:lnSpc>
+            </a:pPr>
+            <a:r>
+              <a:rPr kumimoji="1" lang="en-US" altLang="ja-JP" sz="2800" dirty="0">
+                <a:latin typeface="HGP創英角ｺﾞｼｯｸUB" panose="020B0900000000000000" pitchFamily="50" charset="-128"/>
+                <a:ea typeface="HGP創英角ｺﾞｼｯｸUB" panose="020B0900000000000000" pitchFamily="50" charset="-128"/>
+              </a:rPr>
+              <a:t>【</a:t>
+            </a:r>
+            <a:r>
+              <a:rPr kumimoji="1" lang="ja-JP" altLang="en-US" sz="2800" dirty="0">
+                <a:latin typeface="HGP創英角ｺﾞｼｯｸUB" panose="020B0900000000000000" pitchFamily="50" charset="-128"/>
+                <a:ea typeface="HGP創英角ｺﾞｼｯｸUB" panose="020B0900000000000000" pitchFamily="50" charset="-128"/>
+              </a:rPr>
+              <a:t>ステルスアクション</a:t>
+            </a:r>
+            <a:r>
+              <a:rPr kumimoji="1" lang="en-US" altLang="ja-JP" sz="2800" dirty="0">
+                <a:latin typeface="HGP創英角ｺﾞｼｯｸUB" panose="020B0900000000000000" pitchFamily="50" charset="-128"/>
+                <a:ea typeface="HGP創英角ｺﾞｼｯｸUB" panose="020B0900000000000000" pitchFamily="50" charset="-128"/>
+              </a:rPr>
+              <a:t>】</a:t>
+            </a:r>
+          </a:p>
+          <a:p>
+            <a:pPr>
+              <a:lnSpc>
+                <a:spcPct val="150000"/>
+              </a:lnSpc>
+            </a:pPr>
+            <a:r>
+              <a:rPr kumimoji="1" lang="ja-JP" altLang="en-US" sz="2800" dirty="0">
+                <a:latin typeface="HGP創英角ｺﾞｼｯｸUB" panose="020B0900000000000000" pitchFamily="50" charset="-128"/>
+                <a:ea typeface="HGP創英角ｺﾞｼｯｸUB" panose="020B0900000000000000" pitchFamily="50" charset="-128"/>
+              </a:rPr>
+              <a:t>　・一定時間動かないことにより透過し、敵に見つからないようになります。</a:t>
+            </a:r>
+            <a:endParaRPr kumimoji="1" lang="en-US" altLang="ja-JP" sz="2800" dirty="0">
+              <a:latin typeface="HGP創英角ｺﾞｼｯｸUB" panose="020B0900000000000000" pitchFamily="50" charset="-128"/>
+              <a:ea typeface="HGP創英角ｺﾞｼｯｸUB" panose="020B0900000000000000" pitchFamily="50" charset="-128"/>
+            </a:endParaRPr>
+          </a:p>
+          <a:p>
+            <a:pPr>
+              <a:lnSpc>
+                <a:spcPct val="150000"/>
+              </a:lnSpc>
+            </a:pPr>
+            <a:r>
+              <a:rPr kumimoji="1" lang="ja-JP" altLang="en-US" sz="2800" dirty="0">
+                <a:latin typeface="HGP創英角ｺﾞｼｯｸUB" panose="020B0900000000000000" pitchFamily="50" charset="-128"/>
+                <a:ea typeface="HGP創英角ｺﾞｼｯｸUB" panose="020B0900000000000000" pitchFamily="50" charset="-128"/>
+              </a:rPr>
+              <a:t>　・動きだすとステルス状態は解除されます。</a:t>
+            </a:r>
+            <a:endParaRPr kumimoji="1" lang="en-US" altLang="ja-JP" sz="2800" dirty="0">
+              <a:latin typeface="HGP創英角ｺﾞｼｯｸUB" panose="020B0900000000000000" pitchFamily="50" charset="-128"/>
+              <a:ea typeface="HGP創英角ｺﾞｼｯｸUB" panose="020B0900000000000000" pitchFamily="50" charset="-128"/>
+            </a:endParaRPr>
+          </a:p>
+          <a:p>
+            <a:pPr>
+              <a:lnSpc>
+                <a:spcPct val="150000"/>
+              </a:lnSpc>
+            </a:pPr>
+            <a:r>
+              <a:rPr kumimoji="1" lang="en-US" altLang="ja-JP" sz="2800" dirty="0">
+                <a:latin typeface="HGP創英角ｺﾞｼｯｸUB" panose="020B0900000000000000" pitchFamily="50" charset="-128"/>
+                <a:ea typeface="HGP創英角ｺﾞｼｯｸUB" panose="020B0900000000000000" pitchFamily="50" charset="-128"/>
+              </a:rPr>
+              <a:t>【</a:t>
+            </a:r>
+            <a:r>
+              <a:rPr kumimoji="1" lang="ja-JP" altLang="en-US" sz="2800" dirty="0">
+                <a:latin typeface="HGP創英角ｺﾞｼｯｸUB" panose="020B0900000000000000" pitchFamily="50" charset="-128"/>
+                <a:ea typeface="HGP創英角ｺﾞｼｯｸUB" panose="020B0900000000000000" pitchFamily="50" charset="-128"/>
+              </a:rPr>
+              <a:t>その他アクション</a:t>
+            </a:r>
+            <a:r>
+              <a:rPr kumimoji="1" lang="en-US" altLang="ja-JP" sz="2800" dirty="0">
+                <a:latin typeface="HGP創英角ｺﾞｼｯｸUB" panose="020B0900000000000000" pitchFamily="50" charset="-128"/>
+                <a:ea typeface="HGP創英角ｺﾞｼｯｸUB" panose="020B0900000000000000" pitchFamily="50" charset="-128"/>
+              </a:rPr>
+              <a:t>】</a:t>
+            </a:r>
+          </a:p>
+          <a:p>
+            <a:pPr>
+              <a:lnSpc>
+                <a:spcPct val="150000"/>
+              </a:lnSpc>
+            </a:pPr>
+            <a:r>
+              <a:rPr kumimoji="1" lang="ja-JP" altLang="en-US" sz="2800" dirty="0">
+                <a:latin typeface="HGP創英角ｺﾞｼｯｸUB" panose="020B0900000000000000" pitchFamily="50" charset="-128"/>
+                <a:ea typeface="HGP創英角ｺﾞｼｯｸUB" panose="020B0900000000000000" pitchFamily="50" charset="-128"/>
+              </a:rPr>
+              <a:t>　・ジャンプや壁に張り付いて移動することができます。</a:t>
+            </a:r>
+            <a:endParaRPr kumimoji="1" lang="en-US" altLang="ja-JP" sz="2800" dirty="0">
+              <a:latin typeface="HGP創英角ｺﾞｼｯｸUB" panose="020B0900000000000000" pitchFamily="50" charset="-128"/>
+              <a:ea typeface="HGP創英角ｺﾞｼｯｸUB" panose="020B0900000000000000" pitchFamily="50" charset="-128"/>
+            </a:endParaRPr>
+          </a:p>
+        </p:txBody>
+      </p:sp>
+      <p:pic>
+        <p:nvPicPr>
+          <p:cNvPr id="5" name="図 4">
+            <a:extLst>
+              <a:ext uri="{FF2B5EF4-FFF2-40B4-BE49-F238E27FC236}">
+                <a16:creationId xmlns:a16="http://schemas.microsoft.com/office/drawing/2014/main" id="{23A6F477-D2A0-4F80-AE02-4EA36D9D48BA}"/>
+              </a:ext>
+            </a:extLst>
+          </p:cNvPr>
+          <p:cNvPicPr>
+            <a:picLocks noChangeAspect="1"/>
+          </p:cNvPicPr>
+          <p:nvPr/>
+        </p:nvPicPr>
+        <p:blipFill>
+          <a:blip r:embed="rId2"/>
+          <a:stretch>
+            <a:fillRect/>
+          </a:stretch>
+        </p:blipFill>
+        <p:spPr>
+          <a:xfrm>
+            <a:off x="10363200" y="5194300"/>
+            <a:ext cx="1828800" cy="1478696"/>
+          </a:xfrm>
+          <a:prstGeom prst="rect">
+            <a:avLst/>
+          </a:prstGeom>
+          <a:ln>
+            <a:noFill/>
+          </a:ln>
+          <a:effectLst>
+            <a:softEdge rad="112500"/>
+          </a:effectLst>
+        </p:spPr>
+      </p:pic>
+      <p:pic>
+        <p:nvPicPr>
+          <p:cNvPr id="7" name="図 6">
+            <a:extLst>
+              <a:ext uri="{FF2B5EF4-FFF2-40B4-BE49-F238E27FC236}">
+                <a16:creationId xmlns:a16="http://schemas.microsoft.com/office/drawing/2014/main" id="{2FFF8306-93EE-422D-B4A2-F09329E9B2A8}"/>
+              </a:ext>
+            </a:extLst>
+          </p:cNvPr>
+          <p:cNvPicPr>
+            <a:picLocks noChangeAspect="1"/>
+          </p:cNvPicPr>
+          <p:nvPr/>
+        </p:nvPicPr>
+        <p:blipFill>
+          <a:blip r:embed="rId3"/>
+          <a:stretch>
+            <a:fillRect/>
+          </a:stretch>
+        </p:blipFill>
+        <p:spPr>
+          <a:xfrm>
+            <a:off x="8458200" y="5276850"/>
+            <a:ext cx="1663700" cy="1301750"/>
+          </a:xfrm>
+          <a:prstGeom prst="rect">
+            <a:avLst/>
+          </a:prstGeom>
+          <a:ln>
+            <a:noFill/>
+          </a:ln>
+          <a:effectLst>
+            <a:softEdge rad="112500"/>
+          </a:effectLst>
+        </p:spPr>
+      </p:pic>
+      <p:pic>
+        <p:nvPicPr>
+          <p:cNvPr id="9" name="図 8">
+            <a:extLst>
+              <a:ext uri="{FF2B5EF4-FFF2-40B4-BE49-F238E27FC236}">
+                <a16:creationId xmlns:a16="http://schemas.microsoft.com/office/drawing/2014/main" id="{EA0B19F9-7A9C-4DFC-B658-8C12D5BE7D16}"/>
+              </a:ext>
+            </a:extLst>
+          </p:cNvPr>
+          <p:cNvPicPr>
+            <a:picLocks noChangeAspect="1"/>
+          </p:cNvPicPr>
+          <p:nvPr/>
+        </p:nvPicPr>
+        <p:blipFill>
+          <a:blip r:embed="rId4"/>
+          <a:stretch>
+            <a:fillRect/>
+          </a:stretch>
+        </p:blipFill>
+        <p:spPr>
+          <a:xfrm>
+            <a:off x="9681162" y="504337"/>
+            <a:ext cx="1762265" cy="1762265"/>
+          </a:xfrm>
+          <a:prstGeom prst="rect">
+            <a:avLst/>
+          </a:prstGeom>
+          <a:ln>
+            <a:noFill/>
+          </a:ln>
+          <a:effectLst>
+            <a:softEdge rad="112500"/>
+          </a:effectLst>
+        </p:spPr>
+      </p:pic>
     </p:spTree>
     <p:extLst>
       <p:ext uri="{BB962C8B-B14F-4D97-AF65-F5344CB8AC3E}">
-        <p14:creationId xmlns:p14="http://schemas.microsoft.com/office/powerpoint/2010/main" val="385133428"/>
+        <p14:creationId xmlns:p14="http://schemas.microsoft.com/office/powerpoint/2010/main" val="3941892157"/>
+      </p:ext>
+    </p:extLst>
+  </p:cSld>
+  <p:clrMapOvr>
+    <a:masterClrMapping/>
+  </p:clrMapOvr>
+</p:sld>
+</file>
+
+<file path=ppt/slides/slide6.xml><?xml version="1.0" encoding="utf-8"?>
+<p:sld xmlns:a="http://schemas.openxmlformats.org/drawingml/2006/main" xmlns:r="http://schemas.openxmlformats.org/officeDocument/2006/relationships" xmlns:p="http://schemas.openxmlformats.org/presentationml/2006/main">
+  <p:cSld>
+    <p:spTree>
+      <p:nvGrpSpPr>
+        <p:cNvPr id="1" name=""/>
+        <p:cNvGrpSpPr/>
+        <p:nvPr/>
+      </p:nvGrpSpPr>
+      <p:grpSpPr>
+        <a:xfrm>
+          <a:off x="0" y="0"/>
+          <a:ext cx="0" cy="0"/>
+          <a:chOff x="0" y="0"/>
+          <a:chExt cx="0" cy="0"/>
+        </a:xfrm>
+      </p:grpSpPr>
+      <p:sp>
+        <p:nvSpPr>
+          <p:cNvPr id="2" name="テキスト ボックス 1">
+            <a:extLst>
+              <a:ext uri="{FF2B5EF4-FFF2-40B4-BE49-F238E27FC236}">
+                <a16:creationId xmlns:a16="http://schemas.microsoft.com/office/drawing/2014/main" id="{472AF6D7-6889-47D8-9B47-253401E69C59}"/>
+              </a:ext>
+            </a:extLst>
+          </p:cNvPr>
+          <p:cNvSpPr txBox="1"/>
+          <p:nvPr/>
+        </p:nvSpPr>
+        <p:spPr>
+          <a:xfrm>
+            <a:off x="561109" y="581890"/>
+            <a:ext cx="2423391" cy="769441"/>
+          </a:xfrm>
+          <a:prstGeom prst="rect">
+            <a:avLst/>
+          </a:prstGeom>
+          <a:noFill/>
+        </p:spPr>
+        <p:txBody>
+          <a:bodyPr wrap="square" rtlCol="0">
+            <a:spAutoFit/>
+          </a:bodyPr>
+          <a:lstStyle/>
+          <a:p>
+            <a:r>
+              <a:rPr kumimoji="1" lang="ja-JP" altLang="en-US" sz="4400" dirty="0">
+                <a:solidFill>
+                  <a:srgbClr val="FF0000"/>
+                </a:solidFill>
+                <a:latin typeface="UD デジタル 教科書体 NK-B" panose="02020700000000000000" pitchFamily="18" charset="-128"/>
+                <a:ea typeface="UD デジタル 教科書体 NK-B" panose="02020700000000000000" pitchFamily="18" charset="-128"/>
+              </a:rPr>
+              <a:t>特殊能力</a:t>
+            </a:r>
+          </a:p>
+        </p:txBody>
+      </p:sp>
+      <p:sp>
+        <p:nvSpPr>
+          <p:cNvPr id="7" name="テキスト ボックス 6">
+            <a:extLst>
+              <a:ext uri="{FF2B5EF4-FFF2-40B4-BE49-F238E27FC236}">
+                <a16:creationId xmlns:a16="http://schemas.microsoft.com/office/drawing/2014/main" id="{73800048-3568-41F0-9625-5BAA357C3353}"/>
+              </a:ext>
+            </a:extLst>
+          </p:cNvPr>
+          <p:cNvSpPr txBox="1"/>
+          <p:nvPr/>
+        </p:nvSpPr>
+        <p:spPr>
+          <a:xfrm>
+            <a:off x="393699" y="1246208"/>
+            <a:ext cx="11237192" cy="3046988"/>
+          </a:xfrm>
+          <a:prstGeom prst="rect">
+            <a:avLst/>
+          </a:prstGeom>
+          <a:noFill/>
+        </p:spPr>
+        <p:txBody>
+          <a:bodyPr wrap="square" rtlCol="0">
+            <a:spAutoFit/>
+          </a:bodyPr>
+          <a:lstStyle/>
+          <a:p>
+            <a:pPr>
+              <a:lnSpc>
+                <a:spcPct val="150000"/>
+              </a:lnSpc>
+            </a:pPr>
+            <a:r>
+              <a:rPr kumimoji="1" lang="ja-JP" altLang="en-US" sz="3200" dirty="0">
+                <a:latin typeface="HGP創英角ｺﾞｼｯｸUB" panose="020B0900000000000000" pitchFamily="50" charset="-128"/>
+                <a:ea typeface="HGP創英角ｺﾞｼｯｸUB" panose="020B0900000000000000" pitchFamily="50" charset="-128"/>
+              </a:rPr>
+              <a:t>・プレイヤーには一定時間ステルス状態が継続する</a:t>
+            </a:r>
+            <a:r>
+              <a:rPr kumimoji="1" lang="ja-JP" altLang="en-US" sz="3200" u="sng" dirty="0">
+                <a:solidFill>
+                  <a:srgbClr val="FF0000"/>
+                </a:solidFill>
+                <a:latin typeface="HGP創英角ｺﾞｼｯｸUB" panose="020B0900000000000000" pitchFamily="50" charset="-128"/>
+                <a:ea typeface="HGP創英角ｺﾞｼｯｸUB" panose="020B0900000000000000" pitchFamily="50" charset="-128"/>
+              </a:rPr>
+              <a:t>トランス状態</a:t>
+            </a:r>
+            <a:r>
+              <a:rPr kumimoji="1" lang="ja-JP" altLang="en-US" sz="3200" dirty="0">
+                <a:latin typeface="HGP創英角ｺﾞｼｯｸUB" panose="020B0900000000000000" pitchFamily="50" charset="-128"/>
+                <a:ea typeface="HGP創英角ｺﾞｼｯｸUB" panose="020B0900000000000000" pitchFamily="50" charset="-128"/>
+              </a:rPr>
+              <a:t>と　</a:t>
+            </a:r>
+            <a:endParaRPr kumimoji="1" lang="en-US" altLang="ja-JP" sz="3200" dirty="0">
+              <a:latin typeface="HGP創英角ｺﾞｼｯｸUB" panose="020B0900000000000000" pitchFamily="50" charset="-128"/>
+              <a:ea typeface="HGP創英角ｺﾞｼｯｸUB" panose="020B0900000000000000" pitchFamily="50" charset="-128"/>
+            </a:endParaRPr>
+          </a:p>
+          <a:p>
+            <a:pPr>
+              <a:lnSpc>
+                <a:spcPct val="150000"/>
+              </a:lnSpc>
+            </a:pPr>
+            <a:r>
+              <a:rPr kumimoji="1" lang="ja-JP" altLang="en-US" sz="3200" dirty="0">
+                <a:latin typeface="HGP創英角ｺﾞｼｯｸUB" panose="020B0900000000000000" pitchFamily="50" charset="-128"/>
+                <a:ea typeface="HGP創英角ｺﾞｼｯｸUB" panose="020B0900000000000000" pitchFamily="50" charset="-128"/>
+              </a:rPr>
+              <a:t> いうものがあります。</a:t>
+            </a:r>
+            <a:endParaRPr kumimoji="1" lang="en-US" altLang="ja-JP" sz="3200" dirty="0">
+              <a:latin typeface="HGP創英角ｺﾞｼｯｸUB" panose="020B0900000000000000" pitchFamily="50" charset="-128"/>
+              <a:ea typeface="HGP創英角ｺﾞｼｯｸUB" panose="020B0900000000000000" pitchFamily="50" charset="-128"/>
+            </a:endParaRPr>
+          </a:p>
+          <a:p>
+            <a:pPr>
+              <a:lnSpc>
+                <a:spcPct val="150000"/>
+              </a:lnSpc>
+            </a:pPr>
+            <a:r>
+              <a:rPr kumimoji="1" lang="ja-JP" altLang="en-US" sz="3200" dirty="0">
+                <a:latin typeface="HGP創英角ｺﾞｼｯｸUB" panose="020B0900000000000000" pitchFamily="50" charset="-128"/>
+                <a:ea typeface="HGP創英角ｺﾞｼｯｸUB" panose="020B0900000000000000" pitchFamily="50" charset="-128"/>
+              </a:rPr>
+              <a:t>・トランス状態は普通のステルス状態とは違ってトランス状態では</a:t>
+            </a:r>
+            <a:endParaRPr kumimoji="1" lang="en-US" altLang="ja-JP" sz="3200" dirty="0">
+              <a:latin typeface="HGP創英角ｺﾞｼｯｸUB" panose="020B0900000000000000" pitchFamily="50" charset="-128"/>
+              <a:ea typeface="HGP創英角ｺﾞｼｯｸUB" panose="020B0900000000000000" pitchFamily="50" charset="-128"/>
+            </a:endParaRPr>
+          </a:p>
+          <a:p>
+            <a:pPr>
+              <a:lnSpc>
+                <a:spcPct val="150000"/>
+              </a:lnSpc>
+            </a:pPr>
+            <a:r>
+              <a:rPr kumimoji="1" lang="en-US" altLang="ja-JP" sz="3200" dirty="0">
+                <a:latin typeface="HGP創英角ｺﾞｼｯｸUB" panose="020B0900000000000000" pitchFamily="50" charset="-128"/>
+                <a:ea typeface="HGP創英角ｺﾞｼｯｸUB" panose="020B0900000000000000" pitchFamily="50" charset="-128"/>
+              </a:rPr>
+              <a:t> </a:t>
+            </a:r>
+            <a:r>
+              <a:rPr kumimoji="1" lang="ja-JP" altLang="en-US" sz="3200" dirty="0">
+                <a:latin typeface="HGP創英角ｺﾞｼｯｸUB" panose="020B0900000000000000" pitchFamily="50" charset="-128"/>
+                <a:ea typeface="HGP創英角ｺﾞｼｯｸUB" panose="020B0900000000000000" pitchFamily="50" charset="-128"/>
+              </a:rPr>
+              <a:t>特定の壁を通り抜けることができます。</a:t>
+            </a:r>
+            <a:endParaRPr kumimoji="1" lang="en-US" altLang="ja-JP" sz="3200" dirty="0">
+              <a:latin typeface="HGP創英角ｺﾞｼｯｸUB" panose="020B0900000000000000" pitchFamily="50" charset="-128"/>
+              <a:ea typeface="HGP創英角ｺﾞｼｯｸUB" panose="020B0900000000000000" pitchFamily="50" charset="-128"/>
+            </a:endParaRPr>
+          </a:p>
+        </p:txBody>
+      </p:sp>
+      <p:pic>
+        <p:nvPicPr>
+          <p:cNvPr id="5" name="図 4">
+            <a:extLst>
+              <a:ext uri="{FF2B5EF4-FFF2-40B4-BE49-F238E27FC236}">
+                <a16:creationId xmlns:a16="http://schemas.microsoft.com/office/drawing/2014/main" id="{2110FFB1-5EBD-451F-9BB8-807A58B591A4}"/>
+              </a:ext>
+            </a:extLst>
+          </p:cNvPr>
+          <p:cNvPicPr>
+            <a:picLocks noChangeAspect="1"/>
+          </p:cNvPicPr>
+          <p:nvPr/>
+        </p:nvPicPr>
+        <p:blipFill>
+          <a:blip r:embed="rId2"/>
+          <a:stretch>
+            <a:fillRect/>
+          </a:stretch>
+        </p:blipFill>
+        <p:spPr>
+          <a:xfrm>
+            <a:off x="9235882" y="4493035"/>
+            <a:ext cx="1848211" cy="1850725"/>
+          </a:xfrm>
+          <a:prstGeom prst="rect">
+            <a:avLst/>
+          </a:prstGeom>
+          <a:ln>
+            <a:noFill/>
+          </a:ln>
+          <a:effectLst>
+            <a:softEdge rad="112500"/>
+          </a:effectLst>
+        </p:spPr>
+      </p:pic>
+      <p:pic>
+        <p:nvPicPr>
+          <p:cNvPr id="12" name="図 11">
+            <a:extLst>
+              <a:ext uri="{FF2B5EF4-FFF2-40B4-BE49-F238E27FC236}">
+                <a16:creationId xmlns:a16="http://schemas.microsoft.com/office/drawing/2014/main" id="{F46C90A9-0B0F-49C9-A720-91D0A56520B4}"/>
+              </a:ext>
+            </a:extLst>
+          </p:cNvPr>
+          <p:cNvPicPr>
+            <a:picLocks noChangeAspect="1"/>
+          </p:cNvPicPr>
+          <p:nvPr/>
+        </p:nvPicPr>
+        <p:blipFill>
+          <a:blip r:embed="rId3"/>
+          <a:stretch>
+            <a:fillRect/>
+          </a:stretch>
+        </p:blipFill>
+        <p:spPr>
+          <a:xfrm>
+            <a:off x="6721895" y="4493035"/>
+            <a:ext cx="1768880" cy="1850725"/>
+          </a:xfrm>
+          <a:prstGeom prst="rect">
+            <a:avLst/>
+          </a:prstGeom>
+          <a:ln>
+            <a:noFill/>
+          </a:ln>
+          <a:effectLst>
+            <a:softEdge rad="112500"/>
+          </a:effectLst>
+        </p:spPr>
+      </p:pic>
+    </p:spTree>
+    <p:extLst>
+      <p:ext uri="{BB962C8B-B14F-4D97-AF65-F5344CB8AC3E}">
+        <p14:creationId xmlns:p14="http://schemas.microsoft.com/office/powerpoint/2010/main" val="1295279335"/>
+      </p:ext>
+    </p:extLst>
+  </p:cSld>
+  <p:clrMapOvr>
+    <a:masterClrMapping/>
+  </p:clrMapOvr>
+</p:sld>
+</file>
+
+<file path=ppt/slides/slide7.xml><?xml version="1.0" encoding="utf-8"?>
+<p:sld xmlns:a="http://schemas.openxmlformats.org/drawingml/2006/main" xmlns:r="http://schemas.openxmlformats.org/officeDocument/2006/relationships" xmlns:p="http://schemas.openxmlformats.org/presentationml/2006/main">
+  <p:cSld>
+    <p:spTree>
+      <p:nvGrpSpPr>
+        <p:cNvPr id="1" name=""/>
+        <p:cNvGrpSpPr/>
+        <p:nvPr/>
+      </p:nvGrpSpPr>
+      <p:grpSpPr>
+        <a:xfrm>
+          <a:off x="0" y="0"/>
+          <a:ext cx="0" cy="0"/>
+          <a:chOff x="0" y="0"/>
+          <a:chExt cx="0" cy="0"/>
+        </a:xfrm>
+      </p:grpSpPr>
+      <p:sp>
+        <p:nvSpPr>
+          <p:cNvPr id="3" name="正方形/長方形 2">
+            <a:extLst>
+              <a:ext uri="{FF2B5EF4-FFF2-40B4-BE49-F238E27FC236}">
+                <a16:creationId xmlns:a16="http://schemas.microsoft.com/office/drawing/2014/main" id="{D3BF6EC0-6775-4FC2-B8A5-69992CB3CF53}"/>
+              </a:ext>
+            </a:extLst>
+          </p:cNvPr>
+          <p:cNvSpPr/>
+          <p:nvPr/>
+        </p:nvSpPr>
+        <p:spPr>
+          <a:xfrm>
+            <a:off x="469900" y="837337"/>
+            <a:ext cx="11150600" cy="3046988"/>
+          </a:xfrm>
+          <a:prstGeom prst="rect">
+            <a:avLst/>
+          </a:prstGeom>
+        </p:spPr>
+        <p:txBody>
+          <a:bodyPr wrap="square">
+            <a:spAutoFit/>
+          </a:bodyPr>
+          <a:lstStyle/>
+          <a:p>
+            <a:pPr>
+              <a:lnSpc>
+                <a:spcPct val="150000"/>
+              </a:lnSpc>
+            </a:pPr>
+            <a:r>
+              <a:rPr kumimoji="1" lang="ja-JP" altLang="en-US" sz="3200" dirty="0">
+                <a:latin typeface="HGP創英角ｺﾞｼｯｸUB" panose="020B0900000000000000" pitchFamily="50" charset="-128"/>
+                <a:ea typeface="HGP創英角ｺﾞｼｯｸUB" panose="020B0900000000000000" pitchFamily="50" charset="-128"/>
+              </a:rPr>
+              <a:t>・トランス状態になるにはステージにある特定のアイテムを入手し、</a:t>
+            </a:r>
+            <a:endParaRPr kumimoji="1" lang="en-US" altLang="ja-JP" sz="3200" dirty="0">
+              <a:latin typeface="HGP創英角ｺﾞｼｯｸUB" panose="020B0900000000000000" pitchFamily="50" charset="-128"/>
+              <a:ea typeface="HGP創英角ｺﾞｼｯｸUB" panose="020B0900000000000000" pitchFamily="50" charset="-128"/>
+            </a:endParaRPr>
+          </a:p>
+          <a:p>
+            <a:pPr>
+              <a:lnSpc>
+                <a:spcPct val="150000"/>
+              </a:lnSpc>
+            </a:pPr>
+            <a:r>
+              <a:rPr kumimoji="1" lang="en-US" altLang="ja-JP" sz="3200" dirty="0">
+                <a:latin typeface="HGP創英角ｺﾞｼｯｸUB" panose="020B0900000000000000" pitchFamily="50" charset="-128"/>
+                <a:ea typeface="HGP創英角ｺﾞｼｯｸUB" panose="020B0900000000000000" pitchFamily="50" charset="-128"/>
+              </a:rPr>
+              <a:t> </a:t>
+            </a:r>
+            <a:r>
+              <a:rPr kumimoji="1" lang="ja-JP" altLang="en-US" sz="3200" dirty="0">
+                <a:latin typeface="HGP創英角ｺﾞｼｯｸUB" panose="020B0900000000000000" pitchFamily="50" charset="-128"/>
+                <a:ea typeface="HGP創英角ｺﾞｼｯｸUB" panose="020B0900000000000000" pitchFamily="50" charset="-128"/>
+              </a:rPr>
+              <a:t>使用することでなることができます。</a:t>
+            </a:r>
+            <a:endParaRPr kumimoji="1" lang="en-US" altLang="ja-JP" sz="3200" dirty="0">
+              <a:latin typeface="HGP創英角ｺﾞｼｯｸUB" panose="020B0900000000000000" pitchFamily="50" charset="-128"/>
+              <a:ea typeface="HGP創英角ｺﾞｼｯｸUB" panose="020B0900000000000000" pitchFamily="50" charset="-128"/>
+            </a:endParaRPr>
+          </a:p>
+          <a:p>
+            <a:pPr>
+              <a:lnSpc>
+                <a:spcPct val="150000"/>
+              </a:lnSpc>
+            </a:pPr>
+            <a:r>
+              <a:rPr kumimoji="1" lang="ja-JP" altLang="en-US" sz="3200" dirty="0">
+                <a:latin typeface="HGP創英角ｺﾞｼｯｸUB" panose="020B0900000000000000" pitchFamily="50" charset="-128"/>
+                <a:ea typeface="HGP創英角ｺﾞｼｯｸUB" panose="020B0900000000000000" pitchFamily="50" charset="-128"/>
+              </a:rPr>
+              <a:t>・トランス状態になることで敵に見つからずにステージをショート</a:t>
+            </a:r>
+            <a:endParaRPr kumimoji="1" lang="en-US" altLang="ja-JP" sz="3200" dirty="0">
+              <a:latin typeface="HGP創英角ｺﾞｼｯｸUB" panose="020B0900000000000000" pitchFamily="50" charset="-128"/>
+              <a:ea typeface="HGP創英角ｺﾞｼｯｸUB" panose="020B0900000000000000" pitchFamily="50" charset="-128"/>
+            </a:endParaRPr>
+          </a:p>
+          <a:p>
+            <a:pPr>
+              <a:lnSpc>
+                <a:spcPct val="150000"/>
+              </a:lnSpc>
+            </a:pPr>
+            <a:r>
+              <a:rPr kumimoji="1" lang="en-US" altLang="ja-JP" sz="3200" dirty="0">
+                <a:latin typeface="HGP創英角ｺﾞｼｯｸUB" panose="020B0900000000000000" pitchFamily="50" charset="-128"/>
+                <a:ea typeface="HGP創英角ｺﾞｼｯｸUB" panose="020B0900000000000000" pitchFamily="50" charset="-128"/>
+              </a:rPr>
+              <a:t> </a:t>
+            </a:r>
+            <a:r>
+              <a:rPr kumimoji="1" lang="ja-JP" altLang="en-US" sz="3200" dirty="0">
+                <a:latin typeface="HGP創英角ｺﾞｼｯｸUB" panose="020B0900000000000000" pitchFamily="50" charset="-128"/>
+                <a:ea typeface="HGP創英角ｺﾞｼｯｸUB" panose="020B0900000000000000" pitchFamily="50" charset="-128"/>
+              </a:rPr>
+              <a:t>カットすることができます。</a:t>
+            </a:r>
+          </a:p>
+        </p:txBody>
+      </p:sp>
+      <p:pic>
+        <p:nvPicPr>
+          <p:cNvPr id="4" name="図 3">
+            <a:extLst>
+              <a:ext uri="{FF2B5EF4-FFF2-40B4-BE49-F238E27FC236}">
+                <a16:creationId xmlns:a16="http://schemas.microsoft.com/office/drawing/2014/main" id="{1F83E885-3B1A-4B16-8AB4-FA68EA3CF50F}"/>
+              </a:ext>
+            </a:extLst>
+          </p:cNvPr>
+          <p:cNvPicPr>
+            <a:picLocks noChangeAspect="1"/>
+          </p:cNvPicPr>
+          <p:nvPr/>
+        </p:nvPicPr>
+        <p:blipFill>
+          <a:blip r:embed="rId2"/>
+          <a:stretch>
+            <a:fillRect/>
+          </a:stretch>
+        </p:blipFill>
+        <p:spPr>
+          <a:xfrm>
+            <a:off x="8394770" y="3963244"/>
+            <a:ext cx="2590730" cy="2208009"/>
+          </a:xfrm>
+          <a:prstGeom prst="rect">
+            <a:avLst/>
+          </a:prstGeom>
+          <a:ln>
+            <a:noFill/>
+          </a:ln>
+          <a:effectLst>
+            <a:softEdge rad="112500"/>
+          </a:effectLst>
+        </p:spPr>
+      </p:pic>
+      <p:pic>
+        <p:nvPicPr>
+          <p:cNvPr id="7" name="図 6">
+            <a:extLst>
+              <a:ext uri="{FF2B5EF4-FFF2-40B4-BE49-F238E27FC236}">
+                <a16:creationId xmlns:a16="http://schemas.microsoft.com/office/drawing/2014/main" id="{4D897A09-9DB9-43B8-BC80-2060A53B1FCB}"/>
+              </a:ext>
+            </a:extLst>
+          </p:cNvPr>
+          <p:cNvPicPr>
+            <a:picLocks noChangeAspect="1"/>
+          </p:cNvPicPr>
+          <p:nvPr/>
+        </p:nvPicPr>
+        <p:blipFill>
+          <a:blip r:embed="rId3"/>
+          <a:stretch>
+            <a:fillRect/>
+          </a:stretch>
+        </p:blipFill>
+        <p:spPr>
+          <a:xfrm>
+            <a:off x="4024736" y="4105130"/>
+            <a:ext cx="2906788" cy="1915533"/>
+          </a:xfrm>
+          <a:prstGeom prst="rect">
+            <a:avLst/>
+          </a:prstGeom>
+          <a:ln>
+            <a:noFill/>
+          </a:ln>
+          <a:effectLst>
+            <a:softEdge rad="112500"/>
+          </a:effectLst>
+        </p:spPr>
+      </p:pic>
+    </p:spTree>
+    <p:extLst>
+      <p:ext uri="{BB962C8B-B14F-4D97-AF65-F5344CB8AC3E}">
+        <p14:creationId xmlns:p14="http://schemas.microsoft.com/office/powerpoint/2010/main" val="770438119"/>
+      </p:ext>
+    </p:extLst>
+  </p:cSld>
+  <p:clrMapOvr>
+    <a:masterClrMapping/>
+  </p:clrMapOvr>
+</p:sld>
+</file>
+
+<file path=ppt/slides/slide8.xml><?xml version="1.0" encoding="utf-8"?>
+<p:sld xmlns:a="http://schemas.openxmlformats.org/drawingml/2006/main" xmlns:r="http://schemas.openxmlformats.org/officeDocument/2006/relationships" xmlns:p="http://schemas.openxmlformats.org/presentationml/2006/main">
+  <p:cSld>
+    <p:spTree>
+      <p:nvGrpSpPr>
+        <p:cNvPr id="1" name=""/>
+        <p:cNvGrpSpPr/>
+        <p:nvPr/>
+      </p:nvGrpSpPr>
+      <p:grpSpPr>
+        <a:xfrm>
+          <a:off x="0" y="0"/>
+          <a:ext cx="0" cy="0"/>
+          <a:chOff x="0" y="0"/>
+          <a:chExt cx="0" cy="0"/>
+        </a:xfrm>
+      </p:grpSpPr>
+      <p:sp>
+        <p:nvSpPr>
+          <p:cNvPr id="2" name="テキスト ボックス 1">
+            <a:extLst>
+              <a:ext uri="{FF2B5EF4-FFF2-40B4-BE49-F238E27FC236}">
+                <a16:creationId xmlns:a16="http://schemas.microsoft.com/office/drawing/2014/main" id="{9795F675-CF26-4125-96E3-A2CB66A100AC}"/>
+              </a:ext>
+            </a:extLst>
+          </p:cNvPr>
+          <p:cNvSpPr txBox="1"/>
+          <p:nvPr/>
+        </p:nvSpPr>
+        <p:spPr>
+          <a:xfrm>
+            <a:off x="330895" y="187298"/>
+            <a:ext cx="888305" cy="769441"/>
+          </a:xfrm>
+          <a:prstGeom prst="rect">
+            <a:avLst/>
+          </a:prstGeom>
+          <a:noFill/>
+        </p:spPr>
+        <p:txBody>
+          <a:bodyPr wrap="square" rtlCol="0">
+            <a:spAutoFit/>
+          </a:bodyPr>
+          <a:lstStyle/>
+          <a:p>
+            <a:r>
+              <a:rPr kumimoji="1" lang="ja-JP" altLang="en-US" sz="4400" dirty="0">
+                <a:solidFill>
+                  <a:srgbClr val="FF0000"/>
+                </a:solidFill>
+                <a:latin typeface="UD デジタル 教科書体 NK-B" panose="02020700000000000000" pitchFamily="18" charset="-128"/>
+                <a:ea typeface="UD デジタル 教科書体 NK-B" panose="02020700000000000000" pitchFamily="18" charset="-128"/>
+              </a:rPr>
+              <a:t>敵</a:t>
+            </a:r>
+          </a:p>
+        </p:txBody>
+      </p:sp>
+      <p:pic>
+        <p:nvPicPr>
+          <p:cNvPr id="4" name="図 3">
+            <a:extLst>
+              <a:ext uri="{FF2B5EF4-FFF2-40B4-BE49-F238E27FC236}">
+                <a16:creationId xmlns:a16="http://schemas.microsoft.com/office/drawing/2014/main" id="{394115B6-8058-446D-98BA-18F6C2309CF4}"/>
+              </a:ext>
+            </a:extLst>
+          </p:cNvPr>
+          <p:cNvPicPr>
+            <a:picLocks noChangeAspect="1"/>
+          </p:cNvPicPr>
+          <p:nvPr/>
+        </p:nvPicPr>
+        <p:blipFill>
+          <a:blip r:embed="rId2"/>
+          <a:stretch>
+            <a:fillRect/>
+          </a:stretch>
+        </p:blipFill>
+        <p:spPr>
+          <a:xfrm>
+            <a:off x="488008" y="4721909"/>
+            <a:ext cx="1565354" cy="1196287"/>
+          </a:xfrm>
+          <a:prstGeom prst="rect">
+            <a:avLst/>
+          </a:prstGeom>
+          <a:ln>
+            <a:noFill/>
+          </a:ln>
+          <a:effectLst>
+            <a:softEdge rad="112500"/>
+          </a:effectLst>
+        </p:spPr>
+      </p:pic>
+      <p:pic>
+        <p:nvPicPr>
+          <p:cNvPr id="6" name="図 5">
+            <a:extLst>
+              <a:ext uri="{FF2B5EF4-FFF2-40B4-BE49-F238E27FC236}">
+                <a16:creationId xmlns:a16="http://schemas.microsoft.com/office/drawing/2014/main" id="{49D28E53-8733-4FB4-AFEB-181BFFD07A4A}"/>
+              </a:ext>
+            </a:extLst>
+          </p:cNvPr>
+          <p:cNvPicPr>
+            <a:picLocks noChangeAspect="1"/>
+          </p:cNvPicPr>
+          <p:nvPr/>
+        </p:nvPicPr>
+        <p:blipFill>
+          <a:blip r:embed="rId3"/>
+          <a:stretch>
+            <a:fillRect/>
+          </a:stretch>
+        </p:blipFill>
+        <p:spPr>
+          <a:xfrm>
+            <a:off x="2505619" y="4734581"/>
+            <a:ext cx="1512398" cy="1183615"/>
+          </a:xfrm>
+          <a:prstGeom prst="rect">
+            <a:avLst/>
+          </a:prstGeom>
+          <a:ln>
+            <a:noFill/>
+          </a:ln>
+          <a:effectLst>
+            <a:softEdge rad="112500"/>
+          </a:effectLst>
+        </p:spPr>
+      </p:pic>
+      <p:sp>
+        <p:nvSpPr>
+          <p:cNvPr id="8" name="テキスト ボックス 7">
+            <a:extLst>
+              <a:ext uri="{FF2B5EF4-FFF2-40B4-BE49-F238E27FC236}">
+                <a16:creationId xmlns:a16="http://schemas.microsoft.com/office/drawing/2014/main" id="{5253EBDE-D676-4C3B-BD3E-63AAB297C3B2}"/>
+              </a:ext>
+            </a:extLst>
+          </p:cNvPr>
+          <p:cNvSpPr txBox="1"/>
+          <p:nvPr/>
+        </p:nvSpPr>
+        <p:spPr>
+          <a:xfrm>
+            <a:off x="240444" y="863600"/>
+            <a:ext cx="11112500" cy="2192908"/>
+          </a:xfrm>
+          <a:prstGeom prst="rect">
+            <a:avLst/>
+          </a:prstGeom>
+          <a:noFill/>
+        </p:spPr>
+        <p:txBody>
+          <a:bodyPr wrap="square" rtlCol="0">
+            <a:spAutoFit/>
+          </a:bodyPr>
+          <a:lstStyle/>
+          <a:p>
+            <a:pPr>
+              <a:lnSpc>
+                <a:spcPct val="150000"/>
+              </a:lnSpc>
+            </a:pPr>
+            <a:r>
+              <a:rPr kumimoji="1" lang="ja-JP" altLang="en-US" sz="3200" dirty="0">
+                <a:latin typeface="HGP創英角ｺﾞｼｯｸUB" panose="020B0900000000000000" pitchFamily="50" charset="-128"/>
+                <a:ea typeface="HGP創英角ｺﾞｼｯｸUB" panose="020B0900000000000000" pitchFamily="50" charset="-128"/>
+              </a:rPr>
+              <a:t>・ステージには様々な敵がいて、プレイヤーを見つけると見失うまで追いかけてきます。</a:t>
+            </a:r>
+            <a:endParaRPr kumimoji="1" lang="en-US" altLang="ja-JP" sz="3200" dirty="0">
+              <a:latin typeface="HGP創英角ｺﾞｼｯｸUB" panose="020B0900000000000000" pitchFamily="50" charset="-128"/>
+              <a:ea typeface="HGP創英角ｺﾞｼｯｸUB" panose="020B0900000000000000" pitchFamily="50" charset="-128"/>
+            </a:endParaRPr>
+          </a:p>
+          <a:p>
+            <a:pPr>
+              <a:lnSpc>
+                <a:spcPct val="150000"/>
+              </a:lnSpc>
+            </a:pPr>
+            <a:r>
+              <a:rPr kumimoji="1" lang="ja-JP" altLang="en-US" sz="3200" dirty="0">
+                <a:latin typeface="HGP創英角ｺﾞｼｯｸUB" panose="020B0900000000000000" pitchFamily="50" charset="-128"/>
+                <a:ea typeface="HGP創英角ｺﾞｼｯｸUB" panose="020B0900000000000000" pitchFamily="50" charset="-128"/>
+              </a:rPr>
+              <a:t>・</a:t>
+            </a:r>
+            <a:endParaRPr kumimoji="1" lang="en-US" altLang="ja-JP" sz="3200" dirty="0">
+              <a:latin typeface="HGP創英角ｺﾞｼｯｸUB" panose="020B0900000000000000" pitchFamily="50" charset="-128"/>
+              <a:ea typeface="HGP創英角ｺﾞｼｯｸUB" panose="020B0900000000000000" pitchFamily="50" charset="-128"/>
+            </a:endParaRPr>
+          </a:p>
+        </p:txBody>
+      </p:sp>
+      <p:sp>
+        <p:nvSpPr>
+          <p:cNvPr id="9" name="テキスト ボックス 8">
+            <a:extLst>
+              <a:ext uri="{FF2B5EF4-FFF2-40B4-BE49-F238E27FC236}">
+                <a16:creationId xmlns:a16="http://schemas.microsoft.com/office/drawing/2014/main" id="{CC5D9ADC-0ED5-40CD-BB6F-F02CF701A7AC}"/>
+              </a:ext>
+            </a:extLst>
+          </p:cNvPr>
+          <p:cNvSpPr txBox="1"/>
+          <p:nvPr/>
+        </p:nvSpPr>
+        <p:spPr>
+          <a:xfrm>
+            <a:off x="455984" y="6067806"/>
+            <a:ext cx="1678959" cy="461665"/>
+          </a:xfrm>
+          <a:prstGeom prst="rect">
+            <a:avLst/>
+          </a:prstGeom>
+          <a:noFill/>
+        </p:spPr>
+        <p:txBody>
+          <a:bodyPr wrap="square" rtlCol="0">
+            <a:spAutoFit/>
+          </a:bodyPr>
+          <a:lstStyle/>
+          <a:p>
+            <a:r>
+              <a:rPr kumimoji="1" lang="ja-JP" altLang="en-US" sz="2400" dirty="0">
+                <a:latin typeface="HGP創英角ｺﾞｼｯｸUB" panose="020B0900000000000000" pitchFamily="50" charset="-128"/>
+                <a:ea typeface="HGP創英角ｺﾞｼｯｸUB" panose="020B0900000000000000" pitchFamily="50" charset="-128"/>
+              </a:rPr>
+              <a:t>振り返る敵</a:t>
+            </a:r>
+          </a:p>
+        </p:txBody>
+      </p:sp>
+      <p:sp>
+        <p:nvSpPr>
+          <p:cNvPr id="10" name="テキスト ボックス 9">
+            <a:extLst>
+              <a:ext uri="{FF2B5EF4-FFF2-40B4-BE49-F238E27FC236}">
+                <a16:creationId xmlns:a16="http://schemas.microsoft.com/office/drawing/2014/main" id="{19CFEC25-4A71-410C-80F5-4C09A19614AB}"/>
+              </a:ext>
+            </a:extLst>
+          </p:cNvPr>
+          <p:cNvSpPr txBox="1"/>
+          <p:nvPr/>
+        </p:nvSpPr>
+        <p:spPr>
+          <a:xfrm>
+            <a:off x="2505701" y="5994399"/>
+            <a:ext cx="1741770" cy="461665"/>
+          </a:xfrm>
+          <a:prstGeom prst="rect">
+            <a:avLst/>
+          </a:prstGeom>
+          <a:noFill/>
+        </p:spPr>
+        <p:txBody>
+          <a:bodyPr wrap="square" rtlCol="0">
+            <a:spAutoFit/>
+          </a:bodyPr>
+          <a:lstStyle/>
+          <a:p>
+            <a:r>
+              <a:rPr kumimoji="1" lang="ja-JP" altLang="en-US" sz="2400" dirty="0">
+                <a:latin typeface="HGP創英角ｺﾞｼｯｸUB" panose="020B0900000000000000" pitchFamily="50" charset="-128"/>
+                <a:ea typeface="HGP創英角ｺﾞｼｯｸUB" panose="020B0900000000000000" pitchFamily="50" charset="-128"/>
+              </a:rPr>
+              <a:t>徘徊する敵</a:t>
+            </a:r>
+          </a:p>
+        </p:txBody>
+      </p:sp>
+      <p:pic>
+        <p:nvPicPr>
+          <p:cNvPr id="12" name="図 11">
+            <a:extLst>
+              <a:ext uri="{FF2B5EF4-FFF2-40B4-BE49-F238E27FC236}">
+                <a16:creationId xmlns:a16="http://schemas.microsoft.com/office/drawing/2014/main" id="{9C647F32-C19F-42F3-8705-01364D31127E}"/>
+              </a:ext>
+            </a:extLst>
+          </p:cNvPr>
+          <p:cNvPicPr>
+            <a:picLocks noChangeAspect="1"/>
+          </p:cNvPicPr>
+          <p:nvPr/>
+        </p:nvPicPr>
+        <p:blipFill>
+          <a:blip r:embed="rId4"/>
+          <a:stretch>
+            <a:fillRect/>
+          </a:stretch>
+        </p:blipFill>
+        <p:spPr>
+          <a:xfrm>
+            <a:off x="5833751" y="4258248"/>
+            <a:ext cx="841314" cy="952665"/>
+          </a:xfrm>
+          <a:prstGeom prst="rect">
+            <a:avLst/>
+          </a:prstGeom>
+        </p:spPr>
+      </p:pic>
+      <p:pic>
+        <p:nvPicPr>
+          <p:cNvPr id="14" name="図 13">
+            <a:extLst>
+              <a:ext uri="{FF2B5EF4-FFF2-40B4-BE49-F238E27FC236}">
+                <a16:creationId xmlns:a16="http://schemas.microsoft.com/office/drawing/2014/main" id="{62D94902-EFCA-4148-A11A-2E58C21642B0}"/>
+              </a:ext>
+            </a:extLst>
+          </p:cNvPr>
+          <p:cNvPicPr>
+            <a:picLocks noChangeAspect="1"/>
+          </p:cNvPicPr>
+          <p:nvPr/>
+        </p:nvPicPr>
+        <p:blipFill>
+          <a:blip r:embed="rId5"/>
+          <a:stretch>
+            <a:fillRect/>
+          </a:stretch>
+        </p:blipFill>
+        <p:spPr>
+          <a:xfrm>
+            <a:off x="8011293" y="4258248"/>
+            <a:ext cx="841314" cy="952665"/>
+          </a:xfrm>
+          <a:prstGeom prst="rect">
+            <a:avLst/>
+          </a:prstGeom>
+        </p:spPr>
+      </p:pic>
+      <p:pic>
+        <p:nvPicPr>
+          <p:cNvPr id="16" name="図 15">
+            <a:extLst>
+              <a:ext uri="{FF2B5EF4-FFF2-40B4-BE49-F238E27FC236}">
+                <a16:creationId xmlns:a16="http://schemas.microsoft.com/office/drawing/2014/main" id="{2869E0E6-C288-483A-9A14-A5ACB5B15A76}"/>
+              </a:ext>
+            </a:extLst>
+          </p:cNvPr>
+          <p:cNvPicPr>
+            <a:picLocks noChangeAspect="1"/>
+          </p:cNvPicPr>
+          <p:nvPr/>
+        </p:nvPicPr>
+        <p:blipFill>
+          <a:blip r:embed="rId6"/>
+          <a:stretch>
+            <a:fillRect/>
+          </a:stretch>
+        </p:blipFill>
+        <p:spPr>
+          <a:xfrm>
+            <a:off x="10357888" y="4245576"/>
+            <a:ext cx="841315" cy="952665"/>
+          </a:xfrm>
+          <a:prstGeom prst="rect">
+            <a:avLst/>
+          </a:prstGeom>
+        </p:spPr>
+      </p:pic>
+      <p:sp>
+        <p:nvSpPr>
+          <p:cNvPr id="17" name="テキスト ボックス 16">
+            <a:extLst>
+              <a:ext uri="{FF2B5EF4-FFF2-40B4-BE49-F238E27FC236}">
+                <a16:creationId xmlns:a16="http://schemas.microsoft.com/office/drawing/2014/main" id="{53EE4A28-E7E7-42B3-91CA-A5845B7A239B}"/>
+              </a:ext>
+            </a:extLst>
+          </p:cNvPr>
+          <p:cNvSpPr txBox="1"/>
+          <p:nvPr/>
+        </p:nvSpPr>
+        <p:spPr>
+          <a:xfrm>
+            <a:off x="5847400" y="5394976"/>
+            <a:ext cx="994470" cy="523220"/>
+          </a:xfrm>
+          <a:prstGeom prst="rect">
+            <a:avLst/>
+          </a:prstGeom>
+          <a:noFill/>
+        </p:spPr>
+        <p:txBody>
+          <a:bodyPr wrap="square" rtlCol="0">
+            <a:spAutoFit/>
+          </a:bodyPr>
+          <a:lstStyle/>
+          <a:p>
+            <a:r>
+              <a:rPr kumimoji="1" lang="ja-JP" altLang="en-US" sz="2800" dirty="0"/>
+              <a:t>低い</a:t>
+            </a:r>
+          </a:p>
+        </p:txBody>
+      </p:sp>
+      <p:sp>
+        <p:nvSpPr>
+          <p:cNvPr id="18" name="テキスト ボックス 17">
+            <a:extLst>
+              <a:ext uri="{FF2B5EF4-FFF2-40B4-BE49-F238E27FC236}">
+                <a16:creationId xmlns:a16="http://schemas.microsoft.com/office/drawing/2014/main" id="{299B042A-D3BE-4F0E-A415-E663C0FEEE2A}"/>
+              </a:ext>
+            </a:extLst>
+          </p:cNvPr>
+          <p:cNvSpPr txBox="1"/>
+          <p:nvPr/>
+        </p:nvSpPr>
+        <p:spPr>
+          <a:xfrm>
+            <a:off x="10384581" y="5470131"/>
+            <a:ext cx="994470" cy="523220"/>
+          </a:xfrm>
+          <a:prstGeom prst="rect">
+            <a:avLst/>
+          </a:prstGeom>
+          <a:noFill/>
+        </p:spPr>
+        <p:txBody>
+          <a:bodyPr wrap="square" rtlCol="0">
+            <a:spAutoFit/>
+          </a:bodyPr>
+          <a:lstStyle/>
+          <a:p>
+            <a:r>
+              <a:rPr kumimoji="1" lang="ja-JP" altLang="en-US" sz="2800" dirty="0"/>
+              <a:t>高い</a:t>
+            </a:r>
+          </a:p>
+        </p:txBody>
+      </p:sp>
+      <p:sp>
+        <p:nvSpPr>
+          <p:cNvPr id="19" name="矢印: 右 18">
+            <a:extLst>
+              <a:ext uri="{FF2B5EF4-FFF2-40B4-BE49-F238E27FC236}">
+                <a16:creationId xmlns:a16="http://schemas.microsoft.com/office/drawing/2014/main" id="{BAAD8AD5-14DB-4FA1-8901-5A394DB6FD8A}"/>
+              </a:ext>
+            </a:extLst>
+          </p:cNvPr>
+          <p:cNvSpPr/>
+          <p:nvPr/>
+        </p:nvSpPr>
+        <p:spPr>
+          <a:xfrm>
+            <a:off x="7746649" y="5438594"/>
+            <a:ext cx="1565354" cy="523220"/>
+          </a:xfrm>
+          <a:prstGeom prst="rightArrow">
+            <a:avLst/>
+          </a:prstGeom>
+        </p:spPr>
+        <p:style>
+          <a:lnRef idx="2">
+            <a:schemeClr val="accent1">
+              <a:shade val="50000"/>
+            </a:schemeClr>
+          </a:lnRef>
+          <a:fillRef idx="1">
+            <a:schemeClr val="accent1"/>
+          </a:fillRef>
+          <a:effectRef idx="0">
+            <a:schemeClr val="accent1"/>
+          </a:effectRef>
+          <a:fontRef idx="minor">
+            <a:schemeClr val="lt1"/>
+          </a:fontRef>
+        </p:style>
+        <p:txBody>
+          <a:bodyPr rtlCol="0" anchor="ctr"/>
+          <a:lstStyle/>
+          <a:p>
+            <a:pPr algn="ctr"/>
+            <a:endParaRPr kumimoji="1" lang="ja-JP" altLang="en-US"/>
+          </a:p>
+        </p:txBody>
+      </p:sp>
+      <p:sp>
+        <p:nvSpPr>
+          <p:cNvPr id="23" name="テキスト ボックス 22">
+            <a:extLst>
+              <a:ext uri="{FF2B5EF4-FFF2-40B4-BE49-F238E27FC236}">
+                <a16:creationId xmlns:a16="http://schemas.microsoft.com/office/drawing/2014/main" id="{5CBC7EED-6710-4997-BAE1-0F67EAEDF227}"/>
+              </a:ext>
+            </a:extLst>
+          </p:cNvPr>
+          <p:cNvSpPr txBox="1"/>
+          <p:nvPr/>
+        </p:nvSpPr>
+        <p:spPr>
+          <a:xfrm>
+            <a:off x="7458164" y="6067806"/>
+            <a:ext cx="2311366" cy="523220"/>
+          </a:xfrm>
+          <a:prstGeom prst="rect">
+            <a:avLst/>
+          </a:prstGeom>
+          <a:noFill/>
+        </p:spPr>
+        <p:txBody>
+          <a:bodyPr wrap="square" rtlCol="0">
+            <a:spAutoFit/>
+          </a:bodyPr>
+          <a:lstStyle/>
+          <a:p>
+            <a:r>
+              <a:rPr kumimoji="1" lang="ja-JP" altLang="en-US" sz="2800" dirty="0">
+                <a:latin typeface="HGP創英角ｺﾞｼｯｸUB" panose="020B0900000000000000" pitchFamily="50" charset="-128"/>
+                <a:ea typeface="HGP創英角ｺﾞｼｯｸUB" panose="020B0900000000000000" pitchFamily="50" charset="-128"/>
+              </a:rPr>
+              <a:t>警戒度ゲージ</a:t>
+            </a:r>
+          </a:p>
+        </p:txBody>
+      </p:sp>
+    </p:spTree>
+    <p:extLst>
+      <p:ext uri="{BB962C8B-B14F-4D97-AF65-F5344CB8AC3E}">
+        <p14:creationId xmlns:p14="http://schemas.microsoft.com/office/powerpoint/2010/main" val="2676881634"/>
+      </p:ext>
+    </p:extLst>
+  </p:cSld>
+  <p:clrMapOvr>
+    <a:masterClrMapping/>
+  </p:clrMapOvr>
+</p:sld>
+</file>
+
+<file path=ppt/slides/slide9.xml><?xml version="1.0" encoding="utf-8"?>
+<p:sld xmlns:a="http://schemas.openxmlformats.org/drawingml/2006/main" xmlns:r="http://schemas.openxmlformats.org/officeDocument/2006/relationships" xmlns:p="http://schemas.openxmlformats.org/presentationml/2006/main">
+  <p:cSld>
+    <p:spTree>
+      <p:nvGrpSpPr>
+        <p:cNvPr id="1" name=""/>
+        <p:cNvGrpSpPr/>
+        <p:nvPr/>
+      </p:nvGrpSpPr>
+      <p:grpSpPr>
+        <a:xfrm>
+          <a:off x="0" y="0"/>
+          <a:ext cx="0" cy="0"/>
+          <a:chOff x="0" y="0"/>
+          <a:chExt cx="0" cy="0"/>
+        </a:xfrm>
+      </p:grpSpPr>
+      <p:sp>
+        <p:nvSpPr>
+          <p:cNvPr id="4" name="テキスト ボックス 3">
+            <a:extLst>
+              <a:ext uri="{FF2B5EF4-FFF2-40B4-BE49-F238E27FC236}">
+                <a16:creationId xmlns:a16="http://schemas.microsoft.com/office/drawing/2014/main" id="{777B67B0-159D-481D-8538-7CC1769082A3}"/>
+              </a:ext>
+            </a:extLst>
+          </p:cNvPr>
+          <p:cNvSpPr txBox="1"/>
+          <p:nvPr/>
+        </p:nvSpPr>
+        <p:spPr>
+          <a:xfrm>
+            <a:off x="330895" y="187298"/>
+            <a:ext cx="3045691" cy="769441"/>
+          </a:xfrm>
+          <a:prstGeom prst="rect">
+            <a:avLst/>
+          </a:prstGeom>
+          <a:noFill/>
+        </p:spPr>
+        <p:txBody>
+          <a:bodyPr wrap="square" rtlCol="0">
+            <a:spAutoFit/>
+          </a:bodyPr>
+          <a:lstStyle/>
+          <a:p>
+            <a:r>
+              <a:rPr kumimoji="1" lang="ja-JP" altLang="en-US" sz="4400" dirty="0">
+                <a:solidFill>
+                  <a:srgbClr val="FF0000"/>
+                </a:solidFill>
+                <a:latin typeface="UD デジタル 教科書体 NK-B" panose="02020700000000000000" pitchFamily="18" charset="-128"/>
+                <a:ea typeface="UD デジタル 教科書体 NK-B" panose="02020700000000000000" pitchFamily="18" charset="-128"/>
+              </a:rPr>
+              <a:t>ギミック</a:t>
+            </a:r>
+          </a:p>
+        </p:txBody>
+      </p:sp>
+    </p:spTree>
+    <p:extLst>
+      <p:ext uri="{BB962C8B-B14F-4D97-AF65-F5344CB8AC3E}">
+        <p14:creationId xmlns:p14="http://schemas.microsoft.com/office/powerpoint/2010/main" val="2668062634"/>
       </p:ext>
     </p:extLst>
   </p:cSld>
